--- a/MLLM/CogVLM-Pic.pptx
+++ b/MLLM/CogVLM-Pic.pptx
@@ -6,9 +6,13 @@
   </p:sldMasterIdLst>
   <p:sldIdLst>
     <p:sldId id="256" r:id="rId3"/>
+    <p:sldId id="258" r:id="rId4"/>
   </p:sldIdLst>
   <p:sldSz cx="12192000" cy="6858000"/>
   <p:notesSz cx="6858000" cy="9144000"/>
+  <p:custDataLst>
+    <p:tags r:id="rId8"/>
+  </p:custDataLst>
   <p:defaultTextStyle>
     <a:defPPr>
       <a:defRPr lang="en-US"/>
@@ -3154,7 +3158,7 @@
                   </a:txBody>
                   <a:tcPr>
                     <a:solidFill>
-                      <a:schemeClr val="accent6">
+                      <a:schemeClr val="accent1">
                         <a:lumMod val="60000"/>
                         <a:lumOff val="40000"/>
                       </a:schemeClr>
@@ -3173,7 +3177,7 @@
                   </a:txBody>
                   <a:tcPr>
                     <a:solidFill>
-                      <a:schemeClr val="accent6">
+                      <a:schemeClr val="accent1">
                         <a:lumMod val="60000"/>
                         <a:lumOff val="40000"/>
                       </a:schemeClr>
@@ -3192,7 +3196,7 @@
                   </a:txBody>
                   <a:tcPr>
                     <a:solidFill>
-                      <a:schemeClr val="accent6">
+                      <a:schemeClr val="accent1">
                         <a:lumMod val="60000"/>
                         <a:lumOff val="40000"/>
                       </a:schemeClr>
@@ -3211,7 +3215,7 @@
                   </a:txBody>
                   <a:tcPr>
                     <a:solidFill>
-                      <a:schemeClr val="accent6">
+                      <a:schemeClr val="accent1">
                         <a:lumMod val="60000"/>
                         <a:lumOff val="40000"/>
                       </a:schemeClr>
@@ -3230,7 +3234,7 @@
                   </a:txBody>
                   <a:tcPr>
                     <a:solidFill>
-                      <a:schemeClr val="accent6">
+                      <a:schemeClr val="accent1">
                         <a:lumMod val="60000"/>
                         <a:lumOff val="40000"/>
                       </a:schemeClr>
@@ -3249,9 +3253,9 @@
                   </a:txBody>
                   <a:tcPr>
                     <a:solidFill>
-                      <a:schemeClr val="accent6">
-                        <a:lumMod val="60000"/>
-                        <a:lumOff val="40000"/>
+                      <a:schemeClr val="accent2">
+                        <a:lumMod val="20000"/>
+                        <a:lumOff val="80000"/>
                       </a:schemeClr>
                     </a:solidFill>
                   </a:tcPr>
@@ -3268,9 +3272,9 @@
                   </a:txBody>
                   <a:tcPr>
                     <a:solidFill>
-                      <a:schemeClr val="accent6">
-                        <a:lumMod val="60000"/>
-                        <a:lumOff val="40000"/>
+                      <a:schemeClr val="accent2">
+                        <a:lumMod val="20000"/>
+                        <a:lumOff val="80000"/>
                       </a:schemeClr>
                     </a:solidFill>
                   </a:tcPr>
@@ -3287,9 +3291,9 @@
                   </a:txBody>
                   <a:tcPr>
                     <a:solidFill>
-                      <a:schemeClr val="accent6">
-                        <a:lumMod val="60000"/>
-                        <a:lumOff val="40000"/>
+                      <a:schemeClr val="accent2">
+                        <a:lumMod val="20000"/>
+                        <a:lumOff val="80000"/>
                       </a:schemeClr>
                     </a:solidFill>
                   </a:tcPr>
@@ -3700,7 +3704,7 @@
               <a:lstStyle/>
               <a:p>
                 <a:r>
-                  <a:rPr lang="en-US" altLang="en-US">
+                  <a:rPr lang="zh-CN" altLang="en-US">
                     <a:noFill/>
                   </a:rPr>
                   <a:t> </a:t>
@@ -4061,7 +4065,7 @@
               <a:lstStyle/>
               <a:p>
                 <a:r>
-                  <a:rPr lang="en-US" altLang="en-US">
+                  <a:rPr lang="zh-CN" altLang="en-US">
                     <a:noFill/>
                   </a:rPr>
                   <a:t> </a:t>
@@ -5442,10 +5446,2676 @@
 </p:sld>
 </file>
 
+<file path=ppt/slides/slide2.xml><?xml version="1.0" encoding="utf-8"?>
+<p:sld xmlns:a="http://schemas.openxmlformats.org/drawingml/2006/main" xmlns:r="http://schemas.openxmlformats.org/officeDocument/2006/relationships" xmlns:p="http://schemas.openxmlformats.org/presentationml/2006/main">
+  <p:cSld>
+    <p:spTree>
+      <p:nvGrpSpPr>
+        <p:cNvPr id="1" name=""/>
+        <p:cNvGrpSpPr/>
+        <p:nvPr/>
+      </p:nvGrpSpPr>
+      <p:grpSpPr/>
+      <p:graphicFrame>
+        <p:nvGraphicFramePr>
+          <p:cNvPr id="4" name="Table 3"/>
+          <p:cNvGraphicFramePr/>
+          <p:nvPr>
+            <p:custDataLst>
+              <p:tags r:id="rId1"/>
+            </p:custDataLst>
+          </p:nvPr>
+        </p:nvGraphicFramePr>
+        <p:xfrm>
+          <a:off x="2143760" y="581660"/>
+          <a:ext cx="1802765" cy="381000"/>
+        </p:xfrm>
+        <a:graphic>
+          <a:graphicData uri="http://schemas.openxmlformats.org/drawingml/2006/table">
+            <a:tbl>
+              <a:tblPr firstRow="1" bandRow="1">
+                <a:tableStyleId>{5C22544A-7EE6-4342-B048-85BDC9FD1C3A}</a:tableStyleId>
+              </a:tblPr>
+              <a:tblGrid>
+                <a:gridCol w="360590"/>
+                <a:gridCol w="360588"/>
+                <a:gridCol w="360680"/>
+                <a:gridCol w="360045"/>
+                <a:gridCol w="360680"/>
+              </a:tblGrid>
+              <a:tr h="381000">
+                <a:tc>
+                  <a:txBody>
+                    <a:bodyPr/>
+                    <a:p>
+                      <a:pPr>
+                        <a:buNone/>
+                      </a:pPr>
+                      <a:endParaRPr lang="en-US"/>
+                    </a:p>
+                  </a:txBody>
+                  <a:tcPr/>
+                </a:tc>
+                <a:tc>
+                  <a:txBody>
+                    <a:bodyPr/>
+                    <a:p>
+                      <a:pPr>
+                        <a:buNone/>
+                      </a:pPr>
+                      <a:endParaRPr lang="en-US"/>
+                    </a:p>
+                  </a:txBody>
+                  <a:tcPr/>
+                </a:tc>
+                <a:tc>
+                  <a:txBody>
+                    <a:bodyPr/>
+                    <a:p>
+                      <a:pPr>
+                        <a:buNone/>
+                      </a:pPr>
+                      <a:endParaRPr lang="en-US">
+                        <a:highlight>
+                          <a:srgbClr val="000000"/>
+                        </a:highlight>
+                      </a:endParaRPr>
+                    </a:p>
+                  </a:txBody>
+                  <a:tcPr/>
+                </a:tc>
+                <a:tc>
+                  <a:txBody>
+                    <a:bodyPr/>
+                    <a:p>
+                      <a:pPr>
+                        <a:buNone/>
+                      </a:pPr>
+                      <a:endParaRPr lang="en-US">
+                        <a:highlight>
+                          <a:srgbClr val="000000"/>
+                        </a:highlight>
+                      </a:endParaRPr>
+                    </a:p>
+                  </a:txBody>
+                  <a:tcPr/>
+                </a:tc>
+                <a:tc>
+                  <a:txBody>
+                    <a:bodyPr/>
+                    <a:p>
+                      <a:pPr>
+                        <a:buNone/>
+                      </a:pPr>
+                      <a:endParaRPr lang="en-US">
+                        <a:highlight>
+                          <a:srgbClr val="000000"/>
+                        </a:highlight>
+                      </a:endParaRPr>
+                    </a:p>
+                  </a:txBody>
+                  <a:tcPr/>
+                </a:tc>
+              </a:tr>
+            </a:tbl>
+          </a:graphicData>
+        </a:graphic>
+      </p:graphicFrame>
+      <p:graphicFrame>
+        <p:nvGraphicFramePr>
+          <p:cNvPr id="5" name="Table 4"/>
+          <p:cNvGraphicFramePr/>
+          <p:nvPr/>
+        </p:nvGraphicFramePr>
+        <p:xfrm>
+          <a:off x="3959225" y="581660"/>
+          <a:ext cx="2524125" cy="381000"/>
+        </p:xfrm>
+        <a:graphic>
+          <a:graphicData uri="http://schemas.openxmlformats.org/drawingml/2006/table">
+            <a:tbl>
+              <a:tblPr firstRow="1" bandRow="1">
+                <a:tableStyleId>{5C22544A-7EE6-4342-B048-85BDC9FD1C3A}</a:tableStyleId>
+              </a:tblPr>
+              <a:tblGrid>
+                <a:gridCol w="360680"/>
+                <a:gridCol w="360409"/>
+                <a:gridCol w="360589"/>
+              </a:tblGrid>
+              <a:tr h="381000">
+                <a:tc>
+                  <a:txBody>
+                    <a:bodyPr/>
+                    <a:p>
+                      <a:pPr>
+                        <a:buNone/>
+                      </a:pPr>
+                      <a:endParaRPr lang="en-US"/>
+                    </a:p>
+                  </a:txBody>
+                  <a:tcPr>
+                    <a:solidFill>
+                      <a:schemeClr val="accent2">
+                        <a:lumMod val="40000"/>
+                        <a:lumOff val="60000"/>
+                      </a:schemeClr>
+                    </a:solidFill>
+                  </a:tcPr>
+                </a:tc>
+                <a:tc>
+                  <a:txBody>
+                    <a:bodyPr/>
+                    <a:p>
+                      <a:pPr>
+                        <a:buNone/>
+                      </a:pPr>
+                      <a:endParaRPr lang="en-US">
+                        <a:highlight>
+                          <a:srgbClr val="000000"/>
+                        </a:highlight>
+                      </a:endParaRPr>
+                    </a:p>
+                  </a:txBody>
+                  <a:tcPr>
+                    <a:solidFill>
+                      <a:schemeClr val="accent2">
+                        <a:lumMod val="40000"/>
+                        <a:lumOff val="60000"/>
+                      </a:schemeClr>
+                    </a:solidFill>
+                  </a:tcPr>
+                </a:tc>
+                <a:tc>
+                  <a:txBody>
+                    <a:bodyPr/>
+                    <a:p>
+                      <a:pPr>
+                        <a:buNone/>
+                      </a:pPr>
+                      <a:endParaRPr lang="en-US">
+                        <a:highlight>
+                          <a:srgbClr val="000000"/>
+                        </a:highlight>
+                      </a:endParaRPr>
+                    </a:p>
+                  </a:txBody>
+                  <a:tcPr>
+                    <a:solidFill>
+                      <a:schemeClr val="accent2">
+                        <a:lumMod val="40000"/>
+                        <a:lumOff val="60000"/>
+                      </a:schemeClr>
+                    </a:solidFill>
+                  </a:tcPr>
+                </a:tc>
+              </a:tr>
+            </a:tbl>
+          </a:graphicData>
+        </a:graphic>
+      </p:graphicFrame>
+      <p:graphicFrame>
+        <p:nvGraphicFramePr>
+          <p:cNvPr id="6" name="Table 5"/>
+          <p:cNvGraphicFramePr/>
+          <p:nvPr>
+            <p:custDataLst>
+              <p:tags r:id="rId2"/>
+            </p:custDataLst>
+          </p:nvPr>
+        </p:nvGraphicFramePr>
+        <p:xfrm>
+          <a:off x="6270625" y="1087755"/>
+          <a:ext cx="3195320" cy="365760"/>
+        </p:xfrm>
+        <a:graphic>
+          <a:graphicData uri="http://schemas.openxmlformats.org/drawingml/2006/table">
+            <a:tbl>
+              <a:tblPr firstRow="1" bandRow="1">
+                <a:tableStyleId>{5C22544A-7EE6-4342-B048-85BDC9FD1C3A}</a:tableStyleId>
+              </a:tblPr>
+              <a:tblGrid>
+                <a:gridCol w="399415"/>
+                <a:gridCol w="399415"/>
+                <a:gridCol w="399415"/>
+                <a:gridCol w="399415"/>
+                <a:gridCol w="399415"/>
+                <a:gridCol w="399415"/>
+                <a:gridCol w="399415"/>
+                <a:gridCol w="399415"/>
+              </a:tblGrid>
+              <a:tr h="365760">
+                <a:tc>
+                  <a:txBody>
+                    <a:bodyPr/>
+                    <a:p>
+                      <a:pPr>
+                        <a:buNone/>
+                      </a:pPr>
+                      <a:endParaRPr lang="en-US"/>
+                    </a:p>
+                  </a:txBody>
+                  <a:tcPr>
+                    <a:solidFill>
+                      <a:schemeClr val="accent1">
+                        <a:lumMod val="60000"/>
+                        <a:lumOff val="40000"/>
+                      </a:schemeClr>
+                    </a:solidFill>
+                  </a:tcPr>
+                </a:tc>
+                <a:tc>
+                  <a:txBody>
+                    <a:bodyPr/>
+                    <a:p>
+                      <a:pPr>
+                        <a:buNone/>
+                      </a:pPr>
+                      <a:endParaRPr lang="en-US"/>
+                    </a:p>
+                  </a:txBody>
+                  <a:tcPr>
+                    <a:solidFill>
+                      <a:schemeClr val="accent1">
+                        <a:lumMod val="60000"/>
+                        <a:lumOff val="40000"/>
+                      </a:schemeClr>
+                    </a:solidFill>
+                  </a:tcPr>
+                </a:tc>
+                <a:tc>
+                  <a:txBody>
+                    <a:bodyPr/>
+                    <a:p>
+                      <a:pPr>
+                        <a:buNone/>
+                      </a:pPr>
+                      <a:endParaRPr lang="en-US"/>
+                    </a:p>
+                  </a:txBody>
+                  <a:tcPr>
+                    <a:solidFill>
+                      <a:schemeClr val="accent1">
+                        <a:lumMod val="60000"/>
+                        <a:lumOff val="40000"/>
+                      </a:schemeClr>
+                    </a:solidFill>
+                  </a:tcPr>
+                </a:tc>
+                <a:tc>
+                  <a:txBody>
+                    <a:bodyPr/>
+                    <a:p>
+                      <a:pPr>
+                        <a:buNone/>
+                      </a:pPr>
+                      <a:endParaRPr lang="en-US"/>
+                    </a:p>
+                  </a:txBody>
+                  <a:tcPr>
+                    <a:solidFill>
+                      <a:schemeClr val="accent1">
+                        <a:lumMod val="60000"/>
+                        <a:lumOff val="40000"/>
+                      </a:schemeClr>
+                    </a:solidFill>
+                  </a:tcPr>
+                </a:tc>
+                <a:tc>
+                  <a:txBody>
+                    <a:bodyPr/>
+                    <a:p>
+                      <a:pPr>
+                        <a:buNone/>
+                      </a:pPr>
+                      <a:endParaRPr lang="en-US"/>
+                    </a:p>
+                  </a:txBody>
+                  <a:tcPr>
+                    <a:solidFill>
+                      <a:schemeClr val="accent1">
+                        <a:lumMod val="60000"/>
+                        <a:lumOff val="40000"/>
+                      </a:schemeClr>
+                    </a:solidFill>
+                  </a:tcPr>
+                </a:tc>
+                <a:tc>
+                  <a:txBody>
+                    <a:bodyPr/>
+                    <a:p>
+                      <a:pPr>
+                        <a:buNone/>
+                      </a:pPr>
+                      <a:endParaRPr lang="en-US"/>
+                    </a:p>
+                  </a:txBody>
+                  <a:tcPr>
+                    <a:solidFill>
+                      <a:schemeClr val="accent2">
+                        <a:lumMod val="20000"/>
+                        <a:lumOff val="80000"/>
+                      </a:schemeClr>
+                    </a:solidFill>
+                  </a:tcPr>
+                </a:tc>
+                <a:tc>
+                  <a:txBody>
+                    <a:bodyPr/>
+                    <a:p>
+                      <a:pPr>
+                        <a:buNone/>
+                      </a:pPr>
+                      <a:endParaRPr lang="en-US"/>
+                    </a:p>
+                  </a:txBody>
+                  <a:tcPr>
+                    <a:solidFill>
+                      <a:schemeClr val="accent2">
+                        <a:lumMod val="20000"/>
+                        <a:lumOff val="80000"/>
+                      </a:schemeClr>
+                    </a:solidFill>
+                  </a:tcPr>
+                </a:tc>
+                <a:tc>
+                  <a:txBody>
+                    <a:bodyPr/>
+                    <a:p>
+                      <a:pPr>
+                        <a:buNone/>
+                      </a:pPr>
+                      <a:endParaRPr lang="en-US"/>
+                    </a:p>
+                  </a:txBody>
+                  <a:tcPr>
+                    <a:solidFill>
+                      <a:schemeClr val="accent2">
+                        <a:lumMod val="20000"/>
+                        <a:lumOff val="80000"/>
+                      </a:schemeClr>
+                    </a:solidFill>
+                  </a:tcPr>
+                </a:tc>
+              </a:tr>
+            </a:tbl>
+          </a:graphicData>
+        </a:graphic>
+      </p:graphicFrame>
+      <p:sp>
+        <p:nvSpPr>
+          <p:cNvPr id="7" name="Text Box 6"/>
+          <p:cNvSpPr txBox="1"/>
+          <p:nvPr/>
+        </p:nvSpPr>
+        <p:spPr>
+          <a:xfrm>
+            <a:off x="2510155" y="229870"/>
+            <a:ext cx="1069975" cy="351790"/>
+          </a:xfrm>
+          <a:prstGeom prst="rect">
+            <a:avLst/>
+          </a:prstGeom>
+          <a:noFill/>
+        </p:spPr>
+        <p:txBody>
+          <a:bodyPr wrap="square" rtlCol="0">
+            <a:noAutofit/>
+          </a:bodyPr>
+          <a:p>
+            <a:r>
+              <a:rPr lang="en-US"/>
+              <a:t>V-tokens</a:t>
+            </a:r>
+            <a:endParaRPr lang="en-US"/>
+          </a:p>
+        </p:txBody>
+      </p:sp>
+      <p:sp>
+        <p:nvSpPr>
+          <p:cNvPr id="8" name="Text Box 7"/>
+          <p:cNvSpPr txBox="1"/>
+          <p:nvPr/>
+        </p:nvSpPr>
+        <p:spPr>
+          <a:xfrm>
+            <a:off x="3959225" y="229870"/>
+            <a:ext cx="1069975" cy="351790"/>
+          </a:xfrm>
+          <a:prstGeom prst="rect">
+            <a:avLst/>
+          </a:prstGeom>
+          <a:noFill/>
+        </p:spPr>
+        <p:txBody>
+          <a:bodyPr wrap="square" rtlCol="0">
+            <a:noAutofit/>
+          </a:bodyPr>
+          <a:p>
+            <a:r>
+              <a:rPr lang="en-US"/>
+              <a:t>T-tokens</a:t>
+            </a:r>
+            <a:endParaRPr lang="en-US"/>
+          </a:p>
+        </p:txBody>
+      </p:sp>
+      <mc:AlternateContent xmlns:mc="http://schemas.openxmlformats.org/markup-compatibility/2006">
+        <mc:Choice xmlns:a14="http://schemas.microsoft.com/office/drawing/2010/main" Requires="a14">
+          <p:sp>
+            <p:nvSpPr>
+              <p:cNvPr id="9" name="Rounded Rectangle 8"/>
+              <p:cNvSpPr/>
+              <p:nvPr/>
+            </p:nvSpPr>
+            <p:spPr>
+              <a:xfrm>
+                <a:off x="3020695" y="1950720"/>
+                <a:ext cx="1557655" cy="909320"/>
+              </a:xfrm>
+              <a:prstGeom prst="roundRect">
+                <a:avLst/>
+              </a:prstGeom>
+              <a:solidFill>
+                <a:schemeClr val="bg2">
+                  <a:lumMod val="90000"/>
+                </a:schemeClr>
+              </a:solidFill>
+            </p:spPr>
+            <p:style>
+              <a:lnRef idx="2">
+                <a:schemeClr val="accent1">
+                  <a:lumMod val="75000"/>
+                </a:schemeClr>
+              </a:lnRef>
+              <a:fillRef idx="1">
+                <a:schemeClr val="accent1"/>
+              </a:fillRef>
+              <a:effectRef idx="0">
+                <a:srgbClr val="FFFFFF"/>
+              </a:effectRef>
+              <a:fontRef idx="minor">
+                <a:schemeClr val="lt1"/>
+              </a:fontRef>
+            </p:style>
+            <p:txBody>
+              <a:bodyPr rtlCol="0" anchor="ctr"/>
+              <a:p>
+                <a:pPr algn="ctr"/>
+                <a14:m>
+                  <m:oMathPara xmlns:m="http://schemas.openxmlformats.org/officeDocument/2006/math">
+                    <m:oMathParaPr>
+                      <m:jc m:val="centerGroup"/>
+                    </m:oMathParaPr>
+                    <m:oMath xmlns:m="http://schemas.openxmlformats.org/officeDocument/2006/math">
+                      <m:r>
+                        <m:rPr>
+                          <m:sty m:val="p"/>
+                        </m:rPr>
+                        <a:rPr lang="en-US">
+                          <a:solidFill>
+                            <a:schemeClr val="tx1"/>
+                          </a:solidFill>
+                          <a:latin typeface="Cambria Math" panose="02040503050406030204" charset="0"/>
+                        </a:rPr>
+                        <m:t>Q</m:t>
+                      </m:r>
+                      <m:r>
+                        <a:rPr lang="en-US">
+                          <a:solidFill>
+                            <a:schemeClr val="tx1"/>
+                          </a:solidFill>
+                          <a:latin typeface="Cambria Math" panose="02040503050406030204" charset="0"/>
+                        </a:rPr>
+                        <m:t>=</m:t>
+                      </m:r>
+                      <m:sSub>
+                        <m:sSubPr>
+                          <m:ctrlPr>
+                            <a:rPr lang="en-US" i="1">
+                              <a:solidFill>
+                                <a:schemeClr val="tx1"/>
+                              </a:solidFill>
+                              <a:latin typeface="Cambria Math" panose="02040503050406030204" charset="0"/>
+                              <a:cs typeface="Cambria Math" panose="02040503050406030204" charset="0"/>
+                            </a:rPr>
+                          </m:ctrlPr>
+                        </m:sSubPr>
+                        <m:e>
+                          <m:r>
+                            <a:rPr lang="en-US" i="1">
+                              <a:solidFill>
+                                <a:schemeClr val="tx1"/>
+                              </a:solidFill>
+                              <a:latin typeface="Cambria Math" panose="02040503050406030204" charset="0"/>
+                              <a:cs typeface="Cambria Math" panose="02040503050406030204" charset="0"/>
+                            </a:rPr>
+                            <m:t>𝑊</m:t>
+                          </m:r>
+                        </m:e>
+                        <m:sub>
+                          <m:r>
+                            <a:rPr lang="en-US" i="1">
+                              <a:solidFill>
+                                <a:schemeClr val="tx1"/>
+                              </a:solidFill>
+                              <a:latin typeface="Cambria Math" panose="02040503050406030204" charset="0"/>
+                              <a:cs typeface="Cambria Math" panose="02040503050406030204" charset="0"/>
+                            </a:rPr>
+                            <m:t>𝑞</m:t>
+                          </m:r>
+                        </m:sub>
+                      </m:sSub>
+                      <m:r>
+                        <a:rPr lang="en-US" i="1">
+                          <a:solidFill>
+                            <a:schemeClr val="tx1"/>
+                          </a:solidFill>
+                          <a:latin typeface="Cambria Math" panose="02040503050406030204" charset="0"/>
+                          <a:cs typeface="Cambria Math" panose="02040503050406030204" charset="0"/>
+                        </a:rPr>
+                        <m:t>𝑥</m:t>
+                      </m:r>
+                    </m:oMath>
+                  </m:oMathPara>
+                </a14:m>
+                <a:endParaRPr lang="en-US">
+                  <a:solidFill>
+                    <a:schemeClr val="tx1"/>
+                  </a:solidFill>
+                </a:endParaRPr>
+              </a:p>
+              <a:p>
+                <a:pPr algn="ctr"/>
+                <a14:m>
+                  <m:oMathPara xmlns:m="http://schemas.openxmlformats.org/officeDocument/2006/math">
+                    <m:oMathParaPr>
+                      <m:jc m:val="centerGroup"/>
+                    </m:oMathParaPr>
+                    <m:oMath xmlns:m="http://schemas.openxmlformats.org/officeDocument/2006/math">
+                      <m:r>
+                        <m:rPr>
+                          <m:sty m:val="p"/>
+                        </m:rPr>
+                        <a:rPr lang="en-US">
+                          <a:solidFill>
+                            <a:schemeClr val="tx1"/>
+                          </a:solidFill>
+                          <a:latin typeface="Cambria Math" panose="02040503050406030204" charset="0"/>
+                        </a:rPr>
+                        <m:t>K</m:t>
+                      </m:r>
+                      <m:r>
+                        <a:rPr lang="en-US">
+                          <a:solidFill>
+                            <a:schemeClr val="tx1"/>
+                          </a:solidFill>
+                          <a:latin typeface="Cambria Math" panose="02040503050406030204" charset="0"/>
+                        </a:rPr>
+                        <m:t>=</m:t>
+                      </m:r>
+                      <m:sSub>
+                        <m:sSubPr>
+                          <m:ctrlPr>
+                            <a:rPr lang="en-US" i="1">
+                              <a:solidFill>
+                                <a:schemeClr val="tx1"/>
+                              </a:solidFill>
+                              <a:latin typeface="Cambria Math" panose="02040503050406030204" charset="0"/>
+                              <a:cs typeface="Cambria Math" panose="02040503050406030204" charset="0"/>
+                            </a:rPr>
+                          </m:ctrlPr>
+                        </m:sSubPr>
+                        <m:e>
+                          <m:r>
+                            <a:rPr lang="en-US" i="1">
+                              <a:solidFill>
+                                <a:schemeClr val="tx1"/>
+                              </a:solidFill>
+                              <a:latin typeface="Cambria Math" panose="02040503050406030204" charset="0"/>
+                              <a:cs typeface="Cambria Math" panose="02040503050406030204" charset="0"/>
+                            </a:rPr>
+                            <m:t>𝑊</m:t>
+                          </m:r>
+                        </m:e>
+                        <m:sub>
+                          <m:r>
+                            <a:rPr lang="en-US" i="1">
+                              <a:solidFill>
+                                <a:schemeClr val="tx1"/>
+                              </a:solidFill>
+                              <a:latin typeface="Cambria Math" panose="02040503050406030204" charset="0"/>
+                              <a:cs typeface="Cambria Math" panose="02040503050406030204" charset="0"/>
+                            </a:rPr>
+                            <m:t>𝑘</m:t>
+                          </m:r>
+                        </m:sub>
+                      </m:sSub>
+                      <m:r>
+                        <a:rPr lang="en-US" i="1">
+                          <a:solidFill>
+                            <a:schemeClr val="tx1"/>
+                          </a:solidFill>
+                          <a:latin typeface="Cambria Math" panose="02040503050406030204" charset="0"/>
+                          <a:cs typeface="Cambria Math" panose="02040503050406030204" charset="0"/>
+                        </a:rPr>
+                        <m:t>𝑥</m:t>
+                      </m:r>
+                    </m:oMath>
+                  </m:oMathPara>
+                </a14:m>
+                <a:endParaRPr lang="en-US">
+                  <a:solidFill>
+                    <a:schemeClr val="tx1"/>
+                  </a:solidFill>
+                </a:endParaRPr>
+              </a:p>
+              <a:p>
+                <a:pPr algn="ctr"/>
+                <a14:m>
+                  <m:oMathPara xmlns:m="http://schemas.openxmlformats.org/officeDocument/2006/math">
+                    <m:oMathParaPr>
+                      <m:jc m:val="centerGroup"/>
+                    </m:oMathParaPr>
+                    <m:oMath xmlns:m="http://schemas.openxmlformats.org/officeDocument/2006/math">
+                      <m:r>
+                        <m:rPr>
+                          <m:sty m:val="p"/>
+                        </m:rPr>
+                        <a:rPr lang="en-US">
+                          <a:solidFill>
+                            <a:schemeClr val="tx1"/>
+                          </a:solidFill>
+                          <a:latin typeface="Cambria Math" panose="02040503050406030204" charset="0"/>
+                        </a:rPr>
+                        <m:t>V</m:t>
+                      </m:r>
+                      <m:r>
+                        <a:rPr lang="en-US">
+                          <a:solidFill>
+                            <a:schemeClr val="tx1"/>
+                          </a:solidFill>
+                          <a:latin typeface="Cambria Math" panose="02040503050406030204" charset="0"/>
+                        </a:rPr>
+                        <m:t>=</m:t>
+                      </m:r>
+                      <m:sSub>
+                        <m:sSubPr>
+                          <m:ctrlPr>
+                            <a:rPr lang="en-US" i="1">
+                              <a:solidFill>
+                                <a:schemeClr val="tx1"/>
+                              </a:solidFill>
+                              <a:latin typeface="Cambria Math" panose="02040503050406030204" charset="0"/>
+                              <a:cs typeface="Cambria Math" panose="02040503050406030204" charset="0"/>
+                            </a:rPr>
+                          </m:ctrlPr>
+                        </m:sSubPr>
+                        <m:e>
+                          <m:r>
+                            <a:rPr lang="en-US" i="1">
+                              <a:solidFill>
+                                <a:schemeClr val="tx1"/>
+                              </a:solidFill>
+                              <a:latin typeface="Cambria Math" panose="02040503050406030204" charset="0"/>
+                              <a:cs typeface="Cambria Math" panose="02040503050406030204" charset="0"/>
+                            </a:rPr>
+                            <m:t>𝑊</m:t>
+                          </m:r>
+                        </m:e>
+                        <m:sub>
+                          <m:r>
+                            <a:rPr lang="en-US" i="1">
+                              <a:solidFill>
+                                <a:schemeClr val="tx1"/>
+                              </a:solidFill>
+                              <a:latin typeface="Cambria Math" panose="02040503050406030204" charset="0"/>
+                              <a:cs typeface="Cambria Math" panose="02040503050406030204" charset="0"/>
+                            </a:rPr>
+                            <m:t>𝑣</m:t>
+                          </m:r>
+                        </m:sub>
+                      </m:sSub>
+                      <m:r>
+                        <a:rPr lang="en-US" i="1">
+                          <a:solidFill>
+                            <a:schemeClr val="tx1"/>
+                          </a:solidFill>
+                          <a:latin typeface="Cambria Math" panose="02040503050406030204" charset="0"/>
+                          <a:cs typeface="Cambria Math" panose="02040503050406030204" charset="0"/>
+                        </a:rPr>
+                        <m:t>𝑥</m:t>
+                      </m:r>
+                    </m:oMath>
+                  </m:oMathPara>
+                </a14:m>
+                <a:endParaRPr lang="en-US">
+                  <a:solidFill>
+                    <a:schemeClr val="tx1"/>
+                  </a:solidFill>
+                </a:endParaRPr>
+              </a:p>
+            </p:txBody>
+          </p:sp>
+        </mc:Choice>
+        <mc:Fallback>
+          <p:sp>
+            <p:nvSpPr>
+              <p:cNvPr id="9" name="Rounded Rectangle 8"/>
+              <p:cNvSpPr>
+                <a:spLocks noRot="1" noChangeAspect="1" noMove="1" noResize="1" noEditPoints="1" noAdjustHandles="1" noChangeArrowheads="1" noChangeShapeType="1" noTextEdit="1"/>
+              </p:cNvSpPr>
+              <p:nvPr/>
+            </p:nvSpPr>
+            <p:spPr>
+              <a:xfrm>
+                <a:off x="3020695" y="1950720"/>
+                <a:ext cx="1557655" cy="909320"/>
+              </a:xfrm>
+              <a:prstGeom prst="roundRect">
+                <a:avLst/>
+              </a:prstGeom>
+              <a:blipFill rotWithShape="1">
+                <a:blip r:embed="rId3"/>
+                <a:stretch>
+                  <a:fillRect l="-408" t="-698" r="-408" b="-698"/>
+                </a:stretch>
+              </a:blipFill>
+            </p:spPr>
+            <p:style>
+              <a:lnRef idx="2">
+                <a:schemeClr val="accent1">
+                  <a:lumMod val="75000"/>
+                </a:schemeClr>
+              </a:lnRef>
+              <a:fillRef idx="1">
+                <a:schemeClr val="accent1"/>
+              </a:fillRef>
+              <a:effectRef idx="0">
+                <a:srgbClr val="FFFFFF"/>
+              </a:effectRef>
+              <a:fontRef idx="minor">
+                <a:schemeClr val="lt1"/>
+              </a:fontRef>
+            </p:style>
+            <p:txBody>
+              <a:bodyPr/>
+              <a:lstStyle/>
+              <a:p>
+                <a:r>
+                  <a:rPr lang="zh-CN" altLang="en-US">
+                    <a:noFill/>
+                  </a:rPr>
+                  <a:t> </a:t>
+                </a:r>
+              </a:p>
+            </p:txBody>
+          </p:sp>
+        </mc:Fallback>
+      </mc:AlternateContent>
+      <mc:AlternateContent xmlns:mc="http://schemas.openxmlformats.org/markup-compatibility/2006">
+        <mc:Choice xmlns:a14="http://schemas.microsoft.com/office/drawing/2010/main" Requires="a14">
+          <p:sp>
+            <p:nvSpPr>
+              <p:cNvPr id="10" name="Rounded Rectangle 9"/>
+              <p:cNvSpPr/>
+              <p:nvPr/>
+            </p:nvSpPr>
+            <p:spPr>
+              <a:xfrm>
+                <a:off x="755650" y="1988820"/>
+                <a:ext cx="1557655" cy="909320"/>
+              </a:xfrm>
+              <a:prstGeom prst="roundRect">
+                <a:avLst/>
+              </a:prstGeom>
+              <a:solidFill>
+                <a:schemeClr val="bg2"/>
+              </a:solidFill>
+              <a:ln w="6350" cap="flat" cmpd="sng" algn="ctr">
+                <a:solidFill>
+                  <a:schemeClr val="accent1"/>
+                </a:solidFill>
+                <a:prstDash val="dash"/>
+                <a:miter lim="800000"/>
+              </a:ln>
+            </p:spPr>
+            <p:style>
+              <a:lnRef idx="0">
+                <a:schemeClr val="accent1"/>
+              </a:lnRef>
+              <a:fillRef idx="0">
+                <a:srgbClr val="FFFFFF"/>
+              </a:fillRef>
+              <a:effectRef idx="0">
+                <a:srgbClr val="FFFFFF"/>
+              </a:effectRef>
+              <a:fontRef idx="minor">
+                <a:schemeClr val="tx1"/>
+              </a:fontRef>
+            </p:style>
+            <p:txBody>
+              <a:bodyPr rtlCol="0" anchor="ctr"/>
+              <a:p>
+                <a:pPr algn="ctr"/>
+                <a14:m>
+                  <m:oMathPara xmlns:m="http://schemas.openxmlformats.org/officeDocument/2006/math">
+                    <m:oMathParaPr>
+                      <m:jc m:val="centerGroup"/>
+                    </m:oMathParaPr>
+                    <m:oMath xmlns:m="http://schemas.openxmlformats.org/officeDocument/2006/math">
+                      <m:r>
+                        <m:rPr>
+                          <m:sty m:val="p"/>
+                        </m:rPr>
+                        <a:rPr lang="en-US">
+                          <a:solidFill>
+                            <a:schemeClr val="tx1"/>
+                          </a:solidFill>
+                          <a:latin typeface="Cambria Math" panose="02040503050406030204" charset="0"/>
+                        </a:rPr>
+                        <m:t>Q</m:t>
+                      </m:r>
+                      <m:r>
+                        <a:rPr lang="en-US">
+                          <a:solidFill>
+                            <a:schemeClr val="tx1"/>
+                          </a:solidFill>
+                          <a:latin typeface="Cambria Math" panose="02040503050406030204" charset="0"/>
+                        </a:rPr>
+                        <m:t>=</m:t>
+                      </m:r>
+                      <m:sSub>
+                        <m:sSubPr>
+                          <m:ctrlPr>
+                            <a:rPr lang="en-US" i="1">
+                              <a:solidFill>
+                                <a:schemeClr val="tx1"/>
+                              </a:solidFill>
+                              <a:latin typeface="Cambria Math" panose="02040503050406030204" charset="0"/>
+                              <a:cs typeface="Cambria Math" panose="02040503050406030204" charset="0"/>
+                            </a:rPr>
+                          </m:ctrlPr>
+                        </m:sSubPr>
+                        <m:e>
+                          <m:r>
+                            <a:rPr lang="en-US" i="1">
+                              <a:solidFill>
+                                <a:schemeClr val="tx1"/>
+                              </a:solidFill>
+                              <a:latin typeface="Cambria Math" panose="02040503050406030204" charset="0"/>
+                              <a:cs typeface="Cambria Math" panose="02040503050406030204" charset="0"/>
+                            </a:rPr>
+                            <m:t>𝑊</m:t>
+                          </m:r>
+                        </m:e>
+                        <m:sub>
+                          <m:r>
+                            <a:rPr lang="en-US" i="1">
+                              <a:solidFill>
+                                <a:schemeClr val="tx1"/>
+                              </a:solidFill>
+                              <a:latin typeface="Cambria Math" panose="02040503050406030204" charset="0"/>
+                              <a:cs typeface="Cambria Math" panose="02040503050406030204" charset="0"/>
+                            </a:rPr>
+                            <m:t>𝑞</m:t>
+                          </m:r>
+                        </m:sub>
+                      </m:sSub>
+                      <m:r>
+                        <a:rPr lang="en-US" i="1">
+                          <a:solidFill>
+                            <a:schemeClr val="tx1"/>
+                          </a:solidFill>
+                          <a:latin typeface="Cambria Math" panose="02040503050406030204" charset="0"/>
+                          <a:cs typeface="Cambria Math" panose="02040503050406030204" charset="0"/>
+                        </a:rPr>
+                        <m:t>𝑥</m:t>
+                      </m:r>
+                    </m:oMath>
+                  </m:oMathPara>
+                </a14:m>
+                <a:endParaRPr lang="en-US">
+                  <a:solidFill>
+                    <a:schemeClr val="tx1"/>
+                  </a:solidFill>
+                </a:endParaRPr>
+              </a:p>
+              <a:p>
+                <a:pPr algn="ctr"/>
+                <a14:m>
+                  <m:oMathPara xmlns:m="http://schemas.openxmlformats.org/officeDocument/2006/math">
+                    <m:oMathParaPr>
+                      <m:jc m:val="centerGroup"/>
+                    </m:oMathParaPr>
+                    <m:oMath xmlns:m="http://schemas.openxmlformats.org/officeDocument/2006/math">
+                      <m:r>
+                        <m:rPr>
+                          <m:sty m:val="p"/>
+                        </m:rPr>
+                        <a:rPr lang="en-US">
+                          <a:solidFill>
+                            <a:schemeClr val="tx1"/>
+                          </a:solidFill>
+                          <a:latin typeface="Cambria Math" panose="02040503050406030204" charset="0"/>
+                        </a:rPr>
+                        <m:t>K</m:t>
+                      </m:r>
+                      <m:r>
+                        <a:rPr lang="en-US">
+                          <a:solidFill>
+                            <a:schemeClr val="tx1"/>
+                          </a:solidFill>
+                          <a:latin typeface="Cambria Math" panose="02040503050406030204" charset="0"/>
+                        </a:rPr>
+                        <m:t>=</m:t>
+                      </m:r>
+                      <m:sSub>
+                        <m:sSubPr>
+                          <m:ctrlPr>
+                            <a:rPr lang="en-US" i="1">
+                              <a:solidFill>
+                                <a:schemeClr val="tx1"/>
+                              </a:solidFill>
+                              <a:latin typeface="Cambria Math" panose="02040503050406030204" charset="0"/>
+                              <a:cs typeface="Cambria Math" panose="02040503050406030204" charset="0"/>
+                            </a:rPr>
+                          </m:ctrlPr>
+                        </m:sSubPr>
+                        <m:e>
+                          <m:r>
+                            <a:rPr lang="en-US" i="1">
+                              <a:solidFill>
+                                <a:schemeClr val="tx1"/>
+                              </a:solidFill>
+                              <a:latin typeface="Cambria Math" panose="02040503050406030204" charset="0"/>
+                              <a:cs typeface="Cambria Math" panose="02040503050406030204" charset="0"/>
+                            </a:rPr>
+                            <m:t>𝑊</m:t>
+                          </m:r>
+                        </m:e>
+                        <m:sub>
+                          <m:r>
+                            <a:rPr lang="en-US" i="1">
+                              <a:solidFill>
+                                <a:schemeClr val="tx1"/>
+                              </a:solidFill>
+                              <a:latin typeface="Cambria Math" panose="02040503050406030204" charset="0"/>
+                              <a:cs typeface="Cambria Math" panose="02040503050406030204" charset="0"/>
+                            </a:rPr>
+                            <m:t>𝑘</m:t>
+                          </m:r>
+                        </m:sub>
+                      </m:sSub>
+                      <m:r>
+                        <a:rPr lang="en-US" i="1">
+                          <a:solidFill>
+                            <a:schemeClr val="tx1"/>
+                          </a:solidFill>
+                          <a:latin typeface="Cambria Math" panose="02040503050406030204" charset="0"/>
+                          <a:cs typeface="Cambria Math" panose="02040503050406030204" charset="0"/>
+                        </a:rPr>
+                        <m:t>𝑥</m:t>
+                      </m:r>
+                    </m:oMath>
+                  </m:oMathPara>
+                </a14:m>
+                <a:endParaRPr lang="en-US">
+                  <a:solidFill>
+                    <a:schemeClr val="tx1"/>
+                  </a:solidFill>
+                </a:endParaRPr>
+              </a:p>
+              <a:p>
+                <a:pPr algn="ctr"/>
+                <a14:m>
+                  <m:oMathPara xmlns:m="http://schemas.openxmlformats.org/officeDocument/2006/math">
+                    <m:oMathParaPr>
+                      <m:jc m:val="centerGroup"/>
+                    </m:oMathParaPr>
+                    <m:oMath xmlns:m="http://schemas.openxmlformats.org/officeDocument/2006/math">
+                      <m:r>
+                        <m:rPr>
+                          <m:sty m:val="p"/>
+                        </m:rPr>
+                        <a:rPr lang="en-US">
+                          <a:solidFill>
+                            <a:schemeClr val="tx1"/>
+                          </a:solidFill>
+                          <a:latin typeface="Cambria Math" panose="02040503050406030204" charset="0"/>
+                        </a:rPr>
+                        <m:t>V</m:t>
+                      </m:r>
+                      <m:r>
+                        <a:rPr lang="en-US">
+                          <a:solidFill>
+                            <a:schemeClr val="tx1"/>
+                          </a:solidFill>
+                          <a:latin typeface="Cambria Math" panose="02040503050406030204" charset="0"/>
+                        </a:rPr>
+                        <m:t>=</m:t>
+                      </m:r>
+                      <m:sSub>
+                        <m:sSubPr>
+                          <m:ctrlPr>
+                            <a:rPr lang="en-US" i="1">
+                              <a:solidFill>
+                                <a:schemeClr val="tx1"/>
+                              </a:solidFill>
+                              <a:latin typeface="Cambria Math" panose="02040503050406030204" charset="0"/>
+                              <a:cs typeface="Cambria Math" panose="02040503050406030204" charset="0"/>
+                            </a:rPr>
+                          </m:ctrlPr>
+                        </m:sSubPr>
+                        <m:e>
+                          <m:r>
+                            <a:rPr lang="en-US" i="1">
+                              <a:solidFill>
+                                <a:schemeClr val="tx1"/>
+                              </a:solidFill>
+                              <a:latin typeface="Cambria Math" panose="02040503050406030204" charset="0"/>
+                              <a:cs typeface="Cambria Math" panose="02040503050406030204" charset="0"/>
+                            </a:rPr>
+                            <m:t>𝑊</m:t>
+                          </m:r>
+                        </m:e>
+                        <m:sub>
+                          <m:r>
+                            <a:rPr lang="en-US" i="1">
+                              <a:solidFill>
+                                <a:schemeClr val="tx1"/>
+                              </a:solidFill>
+                              <a:latin typeface="Cambria Math" panose="02040503050406030204" charset="0"/>
+                              <a:cs typeface="Cambria Math" panose="02040503050406030204" charset="0"/>
+                            </a:rPr>
+                            <m:t>𝑣</m:t>
+                          </m:r>
+                        </m:sub>
+                      </m:sSub>
+                      <m:r>
+                        <a:rPr lang="en-US" i="1">
+                          <a:solidFill>
+                            <a:schemeClr val="tx1"/>
+                          </a:solidFill>
+                          <a:latin typeface="Cambria Math" panose="02040503050406030204" charset="0"/>
+                          <a:cs typeface="Cambria Math" panose="02040503050406030204" charset="0"/>
+                        </a:rPr>
+                        <m:t>𝑥</m:t>
+                      </m:r>
+                    </m:oMath>
+                  </m:oMathPara>
+                </a14:m>
+                <a:endParaRPr lang="en-US">
+                  <a:solidFill>
+                    <a:schemeClr val="tx1"/>
+                  </a:solidFill>
+                </a:endParaRPr>
+              </a:p>
+            </p:txBody>
+          </p:sp>
+        </mc:Choice>
+        <mc:Fallback>
+          <p:sp>
+            <p:nvSpPr>
+              <p:cNvPr id="10" name="Rounded Rectangle 9"/>
+              <p:cNvSpPr>
+                <a:spLocks noRot="1" noChangeAspect="1" noMove="1" noResize="1" noEditPoints="1" noAdjustHandles="1" noChangeArrowheads="1" noChangeShapeType="1" noTextEdit="1"/>
+              </p:cNvSpPr>
+              <p:nvPr/>
+            </p:nvSpPr>
+            <p:spPr>
+              <a:xfrm>
+                <a:off x="755650" y="1988820"/>
+                <a:ext cx="1557655" cy="909320"/>
+              </a:xfrm>
+              <a:prstGeom prst="roundRect">
+                <a:avLst/>
+              </a:prstGeom>
+              <a:blipFill rotWithShape="1">
+                <a:blip r:embed="rId4"/>
+                <a:stretch>
+                  <a:fillRect l="-326" t="-559" r="-285" b="-489"/>
+                </a:stretch>
+              </a:blipFill>
+              <a:ln w="6350" cap="flat" cmpd="sng" algn="ctr">
+                <a:solidFill>
+                  <a:schemeClr val="accent1"/>
+                </a:solidFill>
+                <a:prstDash val="dash"/>
+                <a:miter lim="800000"/>
+              </a:ln>
+            </p:spPr>
+            <p:style>
+              <a:lnRef idx="0">
+                <a:schemeClr val="accent1"/>
+              </a:lnRef>
+              <a:fillRef idx="0">
+                <a:srgbClr val="FFFFFF"/>
+              </a:fillRef>
+              <a:effectRef idx="0">
+                <a:srgbClr val="FFFFFF"/>
+              </a:effectRef>
+              <a:fontRef idx="minor">
+                <a:schemeClr val="tx1"/>
+              </a:fontRef>
+            </p:style>
+            <p:txBody>
+              <a:bodyPr/>
+              <a:lstStyle/>
+              <a:p>
+                <a:r>
+                  <a:rPr lang="zh-CN" altLang="en-US">
+                    <a:noFill/>
+                  </a:rPr>
+                  <a:t> </a:t>
+                </a:r>
+              </a:p>
+            </p:txBody>
+          </p:sp>
+        </mc:Fallback>
+      </mc:AlternateContent>
+      <p:sp>
+        <p:nvSpPr>
+          <p:cNvPr id="11" name="Text Box 10"/>
+          <p:cNvSpPr txBox="1"/>
+          <p:nvPr/>
+        </p:nvSpPr>
+        <p:spPr>
+          <a:xfrm>
+            <a:off x="7165340" y="719455"/>
+            <a:ext cx="4064000" cy="368300"/>
+          </a:xfrm>
+          <a:prstGeom prst="rect">
+            <a:avLst/>
+          </a:prstGeom>
+          <a:noFill/>
+        </p:spPr>
+        <p:txBody>
+          <a:bodyPr wrap="square" rtlCol="0">
+            <a:spAutoFit/>
+          </a:bodyPr>
+          <a:p>
+            <a:r>
+              <a:rPr lang="en-US"/>
+              <a:t>token_ids</a:t>
+            </a:r>
+            <a:endParaRPr lang="en-US"/>
+          </a:p>
+        </p:txBody>
+      </p:sp>
+      <p:sp>
+        <p:nvSpPr>
+          <p:cNvPr id="12" name="Rounded Rectangle 11"/>
+          <p:cNvSpPr/>
+          <p:nvPr/>
+        </p:nvSpPr>
+        <p:spPr>
+          <a:xfrm>
+            <a:off x="2166620" y="3310255"/>
+            <a:ext cx="3291840" cy="502920"/>
+          </a:xfrm>
+          <a:prstGeom prst="roundRect">
+            <a:avLst/>
+          </a:prstGeom>
+        </p:spPr>
+        <p:style>
+          <a:lnRef idx="2">
+            <a:schemeClr val="accent1">
+              <a:lumMod val="75000"/>
+            </a:schemeClr>
+          </a:lnRef>
+          <a:fillRef idx="1">
+            <a:schemeClr val="accent1"/>
+          </a:fillRef>
+          <a:effectRef idx="0">
+            <a:srgbClr val="FFFFFF"/>
+          </a:effectRef>
+          <a:fontRef idx="minor">
+            <a:schemeClr val="lt1"/>
+          </a:fontRef>
+        </p:style>
+        <p:txBody>
+          <a:bodyPr rtlCol="0" anchor="ctr"/>
+          <a:p>
+            <a:pPr algn="ctr"/>
+            <a:r>
+              <a:rPr lang="en-US"/>
+              <a:t>Multi-Head Attention</a:t>
+            </a:r>
+            <a:endParaRPr lang="en-US"/>
+          </a:p>
+        </p:txBody>
+      </p:sp>
+      <p:graphicFrame>
+        <p:nvGraphicFramePr>
+          <p:cNvPr id="13" name="Table 12"/>
+          <p:cNvGraphicFramePr/>
+          <p:nvPr>
+            <p:custDataLst>
+              <p:tags r:id="rId5"/>
+            </p:custDataLst>
+          </p:nvPr>
+        </p:nvGraphicFramePr>
+        <p:xfrm>
+          <a:off x="6695440" y="2190115"/>
+          <a:ext cx="1397000" cy="1120140"/>
+        </p:xfrm>
+        <a:graphic>
+          <a:graphicData uri="http://schemas.openxmlformats.org/drawingml/2006/table">
+            <a:tbl>
+              <a:tblPr firstRow="1" bandRow="1">
+                <a:tableStyleId>{5C22544A-7EE6-4342-B048-85BDC9FD1C3A}</a:tableStyleId>
+              </a:tblPr>
+              <a:tblGrid>
+                <a:gridCol w="349250"/>
+                <a:gridCol w="349250"/>
+                <a:gridCol w="349250"/>
+                <a:gridCol w="349250"/>
+              </a:tblGrid>
+              <a:tr h="373380">
+                <a:tc>
+                  <a:txBody>
+                    <a:bodyPr/>
+                    <a:p>
+                      <a:pPr>
+                        <a:buNone/>
+                      </a:pPr>
+                      <a:endParaRPr lang="en-US"/>
+                    </a:p>
+                  </a:txBody>
+                  <a:tcPr>
+                    <a:solidFill>
+                      <a:schemeClr val="accent1">
+                        <a:lumMod val="40000"/>
+                        <a:lumOff val="60000"/>
+                      </a:schemeClr>
+                    </a:solidFill>
+                  </a:tcPr>
+                </a:tc>
+                <a:tc>
+                  <a:txBody>
+                    <a:bodyPr/>
+                    <a:p>
+                      <a:pPr>
+                        <a:buNone/>
+                      </a:pPr>
+                      <a:endParaRPr lang="en-US"/>
+                    </a:p>
+                  </a:txBody>
+                  <a:tcPr>
+                    <a:solidFill>
+                      <a:schemeClr val="accent1">
+                        <a:lumMod val="40000"/>
+                        <a:lumOff val="60000"/>
+                      </a:schemeClr>
+                    </a:solidFill>
+                  </a:tcPr>
+                </a:tc>
+                <a:tc>
+                  <a:txBody>
+                    <a:bodyPr/>
+                    <a:p>
+                      <a:pPr>
+                        <a:buNone/>
+                      </a:pPr>
+                      <a:endParaRPr lang="en-US"/>
+                    </a:p>
+                  </a:txBody>
+                  <a:tcPr>
+                    <a:solidFill>
+                      <a:schemeClr val="accent1">
+                        <a:lumMod val="40000"/>
+                        <a:lumOff val="60000"/>
+                      </a:schemeClr>
+                    </a:solidFill>
+                  </a:tcPr>
+                </a:tc>
+                <a:tc>
+                  <a:txBody>
+                    <a:bodyPr/>
+                    <a:p>
+                      <a:pPr>
+                        <a:buNone/>
+                      </a:pPr>
+                      <a:endParaRPr lang="en-US"/>
+                    </a:p>
+                  </a:txBody>
+                  <a:tcPr>
+                    <a:solidFill>
+                      <a:schemeClr val="accent1">
+                        <a:lumMod val="40000"/>
+                        <a:lumOff val="60000"/>
+                      </a:schemeClr>
+                    </a:solidFill>
+                  </a:tcPr>
+                </a:tc>
+              </a:tr>
+              <a:tr h="373380">
+                <a:tc>
+                  <a:txBody>
+                    <a:bodyPr/>
+                    <a:p>
+                      <a:pPr>
+                        <a:buNone/>
+                      </a:pPr>
+                      <a:endParaRPr lang="en-US"/>
+                    </a:p>
+                  </a:txBody>
+                  <a:tcPr>
+                    <a:solidFill>
+                      <a:schemeClr val="accent1">
+                        <a:lumMod val="40000"/>
+                        <a:lumOff val="60000"/>
+                      </a:schemeClr>
+                    </a:solidFill>
+                  </a:tcPr>
+                </a:tc>
+                <a:tc>
+                  <a:txBody>
+                    <a:bodyPr/>
+                    <a:p>
+                      <a:pPr>
+                        <a:buNone/>
+                      </a:pPr>
+                      <a:endParaRPr lang="en-US"/>
+                    </a:p>
+                  </a:txBody>
+                  <a:tcPr>
+                    <a:solidFill>
+                      <a:schemeClr val="accent1">
+                        <a:lumMod val="40000"/>
+                        <a:lumOff val="60000"/>
+                      </a:schemeClr>
+                    </a:solidFill>
+                  </a:tcPr>
+                </a:tc>
+                <a:tc>
+                  <a:txBody>
+                    <a:bodyPr/>
+                    <a:p>
+                      <a:pPr>
+                        <a:buNone/>
+                      </a:pPr>
+                      <a:endParaRPr lang="en-US"/>
+                    </a:p>
+                  </a:txBody>
+                  <a:tcPr>
+                    <a:solidFill>
+                      <a:schemeClr val="accent1">
+                        <a:lumMod val="40000"/>
+                        <a:lumOff val="60000"/>
+                      </a:schemeClr>
+                    </a:solidFill>
+                  </a:tcPr>
+                </a:tc>
+                <a:tc>
+                  <a:txBody>
+                    <a:bodyPr/>
+                    <a:p>
+                      <a:pPr>
+                        <a:buNone/>
+                      </a:pPr>
+                      <a:endParaRPr lang="en-US"/>
+                    </a:p>
+                  </a:txBody>
+                  <a:tcPr>
+                    <a:solidFill>
+                      <a:schemeClr val="accent1">
+                        <a:lumMod val="40000"/>
+                        <a:lumOff val="60000"/>
+                      </a:schemeClr>
+                    </a:solidFill>
+                  </a:tcPr>
+                </a:tc>
+              </a:tr>
+              <a:tr h="373380">
+                <a:tc>
+                  <a:txBody>
+                    <a:bodyPr/>
+                    <a:p>
+                      <a:pPr>
+                        <a:buNone/>
+                      </a:pPr>
+                      <a:endParaRPr lang="en-US"/>
+                    </a:p>
+                  </a:txBody>
+                  <a:tcPr>
+                    <a:solidFill>
+                      <a:schemeClr val="accent1">
+                        <a:lumMod val="40000"/>
+                        <a:lumOff val="60000"/>
+                      </a:schemeClr>
+                    </a:solidFill>
+                  </a:tcPr>
+                </a:tc>
+                <a:tc>
+                  <a:txBody>
+                    <a:bodyPr/>
+                    <a:p>
+                      <a:pPr>
+                        <a:buNone/>
+                      </a:pPr>
+                      <a:endParaRPr lang="en-US"/>
+                    </a:p>
+                  </a:txBody>
+                  <a:tcPr>
+                    <a:solidFill>
+                      <a:schemeClr val="accent1">
+                        <a:lumMod val="40000"/>
+                        <a:lumOff val="60000"/>
+                      </a:schemeClr>
+                    </a:solidFill>
+                  </a:tcPr>
+                </a:tc>
+                <a:tc>
+                  <a:txBody>
+                    <a:bodyPr/>
+                    <a:p>
+                      <a:pPr>
+                        <a:buNone/>
+                      </a:pPr>
+                      <a:endParaRPr lang="en-US"/>
+                    </a:p>
+                  </a:txBody>
+                  <a:tcPr>
+                    <a:solidFill>
+                      <a:schemeClr val="accent1">
+                        <a:lumMod val="40000"/>
+                        <a:lumOff val="60000"/>
+                      </a:schemeClr>
+                    </a:solidFill>
+                  </a:tcPr>
+                </a:tc>
+                <a:tc>
+                  <a:txBody>
+                    <a:bodyPr/>
+                    <a:p>
+                      <a:pPr>
+                        <a:buNone/>
+                      </a:pPr>
+                      <a:endParaRPr lang="en-US"/>
+                    </a:p>
+                  </a:txBody>
+                  <a:tcPr>
+                    <a:solidFill>
+                      <a:schemeClr val="accent1">
+                        <a:lumMod val="40000"/>
+                        <a:lumOff val="60000"/>
+                      </a:schemeClr>
+                    </a:solidFill>
+                  </a:tcPr>
+                </a:tc>
+              </a:tr>
+            </a:tbl>
+          </a:graphicData>
+        </a:graphic>
+      </p:graphicFrame>
+      <p:sp>
+        <p:nvSpPr>
+          <p:cNvPr id="14" name="Text Box 13"/>
+          <p:cNvSpPr txBox="1"/>
+          <p:nvPr/>
+        </p:nvSpPr>
+        <p:spPr>
+          <a:xfrm>
+            <a:off x="6695440" y="1821815"/>
+            <a:ext cx="1009015" cy="368300"/>
+          </a:xfrm>
+          <a:prstGeom prst="rect">
+            <a:avLst/>
+          </a:prstGeom>
+          <a:noFill/>
+        </p:spPr>
+        <p:txBody>
+          <a:bodyPr wrap="square" rtlCol="0">
+            <a:spAutoFit/>
+          </a:bodyPr>
+          <a:p>
+            <a:r>
+              <a:rPr lang="en-US"/>
+              <a:t>K-Cache</a:t>
+            </a:r>
+            <a:endParaRPr lang="en-US"/>
+          </a:p>
+        </p:txBody>
+      </p:sp>
+      <p:graphicFrame>
+        <p:nvGraphicFramePr>
+          <p:cNvPr id="15" name="Table 14"/>
+          <p:cNvGraphicFramePr/>
+          <p:nvPr>
+            <p:custDataLst>
+              <p:tags r:id="rId6"/>
+            </p:custDataLst>
+          </p:nvPr>
+        </p:nvGraphicFramePr>
+        <p:xfrm>
+          <a:off x="8422640" y="2190115"/>
+          <a:ext cx="1397000" cy="1120140"/>
+        </p:xfrm>
+        <a:graphic>
+          <a:graphicData uri="http://schemas.openxmlformats.org/drawingml/2006/table">
+            <a:tbl>
+              <a:tblPr firstRow="1" bandRow="1">
+                <a:tableStyleId>{5C22544A-7EE6-4342-B048-85BDC9FD1C3A}</a:tableStyleId>
+              </a:tblPr>
+              <a:tblGrid>
+                <a:gridCol w="349250"/>
+                <a:gridCol w="349250"/>
+                <a:gridCol w="349250"/>
+                <a:gridCol w="349250"/>
+              </a:tblGrid>
+              <a:tr h="373380">
+                <a:tc>
+                  <a:txBody>
+                    <a:bodyPr/>
+                    <a:p>
+                      <a:pPr>
+                        <a:buNone/>
+                      </a:pPr>
+                      <a:endParaRPr lang="en-US"/>
+                    </a:p>
+                  </a:txBody>
+                  <a:tcPr>
+                    <a:solidFill>
+                      <a:srgbClr val="E6C3E8"/>
+                    </a:solidFill>
+                  </a:tcPr>
+                </a:tc>
+                <a:tc>
+                  <a:txBody>
+                    <a:bodyPr/>
+                    <a:p>
+                      <a:pPr>
+                        <a:buNone/>
+                      </a:pPr>
+                      <a:endParaRPr lang="en-US"/>
+                    </a:p>
+                  </a:txBody>
+                  <a:tcPr>
+                    <a:solidFill>
+                      <a:srgbClr val="E6C3E8"/>
+                    </a:solidFill>
+                  </a:tcPr>
+                </a:tc>
+                <a:tc>
+                  <a:txBody>
+                    <a:bodyPr/>
+                    <a:p>
+                      <a:pPr>
+                        <a:buNone/>
+                      </a:pPr>
+                      <a:endParaRPr lang="en-US"/>
+                    </a:p>
+                  </a:txBody>
+                  <a:tcPr>
+                    <a:solidFill>
+                      <a:srgbClr val="E6C3E8"/>
+                    </a:solidFill>
+                  </a:tcPr>
+                </a:tc>
+                <a:tc>
+                  <a:txBody>
+                    <a:bodyPr/>
+                    <a:p>
+                      <a:pPr>
+                        <a:buNone/>
+                      </a:pPr>
+                      <a:endParaRPr lang="en-US"/>
+                    </a:p>
+                  </a:txBody>
+                  <a:tcPr>
+                    <a:solidFill>
+                      <a:srgbClr val="E6C3E8"/>
+                    </a:solidFill>
+                  </a:tcPr>
+                </a:tc>
+              </a:tr>
+              <a:tr h="373380">
+                <a:tc>
+                  <a:txBody>
+                    <a:bodyPr/>
+                    <a:p>
+                      <a:pPr>
+                        <a:buNone/>
+                      </a:pPr>
+                      <a:endParaRPr lang="en-US"/>
+                    </a:p>
+                  </a:txBody>
+                  <a:tcPr>
+                    <a:solidFill>
+                      <a:srgbClr val="E6C3E8"/>
+                    </a:solidFill>
+                  </a:tcPr>
+                </a:tc>
+                <a:tc>
+                  <a:txBody>
+                    <a:bodyPr/>
+                    <a:p>
+                      <a:pPr>
+                        <a:buNone/>
+                      </a:pPr>
+                      <a:endParaRPr lang="en-US"/>
+                    </a:p>
+                  </a:txBody>
+                  <a:tcPr>
+                    <a:solidFill>
+                      <a:srgbClr val="E6C3E8"/>
+                    </a:solidFill>
+                  </a:tcPr>
+                </a:tc>
+                <a:tc>
+                  <a:txBody>
+                    <a:bodyPr/>
+                    <a:p>
+                      <a:pPr>
+                        <a:buNone/>
+                      </a:pPr>
+                      <a:endParaRPr lang="en-US"/>
+                    </a:p>
+                  </a:txBody>
+                  <a:tcPr>
+                    <a:solidFill>
+                      <a:srgbClr val="E6C3E8"/>
+                    </a:solidFill>
+                  </a:tcPr>
+                </a:tc>
+                <a:tc>
+                  <a:txBody>
+                    <a:bodyPr/>
+                    <a:p>
+                      <a:pPr>
+                        <a:buNone/>
+                      </a:pPr>
+                      <a:endParaRPr lang="en-US"/>
+                    </a:p>
+                  </a:txBody>
+                  <a:tcPr>
+                    <a:solidFill>
+                      <a:srgbClr val="E6C3E8"/>
+                    </a:solidFill>
+                  </a:tcPr>
+                </a:tc>
+              </a:tr>
+              <a:tr h="373380">
+                <a:tc>
+                  <a:txBody>
+                    <a:bodyPr/>
+                    <a:p>
+                      <a:pPr>
+                        <a:buNone/>
+                      </a:pPr>
+                      <a:endParaRPr lang="en-US"/>
+                    </a:p>
+                  </a:txBody>
+                  <a:tcPr>
+                    <a:solidFill>
+                      <a:srgbClr val="E6C3E8"/>
+                    </a:solidFill>
+                  </a:tcPr>
+                </a:tc>
+                <a:tc>
+                  <a:txBody>
+                    <a:bodyPr/>
+                    <a:p>
+                      <a:pPr>
+                        <a:buNone/>
+                      </a:pPr>
+                      <a:endParaRPr lang="en-US"/>
+                    </a:p>
+                  </a:txBody>
+                  <a:tcPr>
+                    <a:solidFill>
+                      <a:srgbClr val="E6C3E8"/>
+                    </a:solidFill>
+                  </a:tcPr>
+                </a:tc>
+                <a:tc>
+                  <a:txBody>
+                    <a:bodyPr/>
+                    <a:p>
+                      <a:pPr>
+                        <a:buNone/>
+                      </a:pPr>
+                      <a:endParaRPr lang="en-US"/>
+                    </a:p>
+                  </a:txBody>
+                  <a:tcPr>
+                    <a:solidFill>
+                      <a:srgbClr val="E6C3E8"/>
+                    </a:solidFill>
+                  </a:tcPr>
+                </a:tc>
+                <a:tc>
+                  <a:txBody>
+                    <a:bodyPr/>
+                    <a:p>
+                      <a:pPr>
+                        <a:buNone/>
+                      </a:pPr>
+                      <a:endParaRPr lang="en-US"/>
+                    </a:p>
+                  </a:txBody>
+                  <a:tcPr>
+                    <a:solidFill>
+                      <a:srgbClr val="E6C3E8"/>
+                    </a:solidFill>
+                  </a:tcPr>
+                </a:tc>
+              </a:tr>
+            </a:tbl>
+          </a:graphicData>
+        </a:graphic>
+      </p:graphicFrame>
+      <p:sp>
+        <p:nvSpPr>
+          <p:cNvPr id="16" name="Text Box 15"/>
+          <p:cNvSpPr txBox="1"/>
+          <p:nvPr/>
+        </p:nvSpPr>
+        <p:spPr>
+          <a:xfrm>
+            <a:off x="8422640" y="1821815"/>
+            <a:ext cx="1009015" cy="368300"/>
+          </a:xfrm>
+          <a:prstGeom prst="rect">
+            <a:avLst/>
+          </a:prstGeom>
+          <a:noFill/>
+        </p:spPr>
+        <p:txBody>
+          <a:bodyPr wrap="square" rtlCol="0">
+            <a:spAutoFit/>
+          </a:bodyPr>
+          <a:p>
+            <a:r>
+              <a:rPr lang="en-US"/>
+              <a:t>V-Cache</a:t>
+            </a:r>
+            <a:endParaRPr lang="en-US"/>
+          </a:p>
+        </p:txBody>
+      </p:sp>
+      <p:sp>
+        <p:nvSpPr>
+          <p:cNvPr id="17" name="Rounded Rectangle 16"/>
+          <p:cNvSpPr/>
+          <p:nvPr/>
+        </p:nvSpPr>
+        <p:spPr>
+          <a:xfrm>
+            <a:off x="3145155" y="4866640"/>
+            <a:ext cx="1557655" cy="657860"/>
+          </a:xfrm>
+          <a:prstGeom prst="roundRect">
+            <a:avLst/>
+          </a:prstGeom>
+          <a:solidFill>
+            <a:schemeClr val="bg2">
+              <a:lumMod val="90000"/>
+            </a:schemeClr>
+          </a:solidFill>
+        </p:spPr>
+        <p:style>
+          <a:lnRef idx="2">
+            <a:schemeClr val="accent1">
+              <a:lumMod val="75000"/>
+            </a:schemeClr>
+          </a:lnRef>
+          <a:fillRef idx="1">
+            <a:schemeClr val="accent1"/>
+          </a:fillRef>
+          <a:effectRef idx="0">
+            <a:srgbClr val="FFFFFF"/>
+          </a:effectRef>
+          <a:fontRef idx="minor">
+            <a:schemeClr val="lt1"/>
+          </a:fontRef>
+        </p:style>
+        <p:txBody>
+          <a:bodyPr rtlCol="0" anchor="ctr"/>
+          <a:p>
+            <a:pPr algn="ctr"/>
+            <a:r>
+              <a:rPr lang="en-US">
+                <a:solidFill>
+                  <a:schemeClr val="tx1"/>
+                </a:solidFill>
+              </a:rPr>
+              <a:t>FFN</a:t>
+            </a:r>
+            <a:endParaRPr lang="en-US">
+              <a:solidFill>
+                <a:schemeClr val="tx1"/>
+              </a:solidFill>
+            </a:endParaRPr>
+          </a:p>
+        </p:txBody>
+      </p:sp>
+      <p:sp>
+        <p:nvSpPr>
+          <p:cNvPr id="18" name="Rounded Rectangle 17"/>
+          <p:cNvSpPr/>
+          <p:nvPr/>
+        </p:nvSpPr>
+        <p:spPr>
+          <a:xfrm>
+            <a:off x="755650" y="4761230"/>
+            <a:ext cx="1557655" cy="620395"/>
+          </a:xfrm>
+          <a:prstGeom prst="roundRect">
+            <a:avLst/>
+          </a:prstGeom>
+          <a:solidFill>
+            <a:schemeClr val="bg2"/>
+          </a:solidFill>
+          <a:ln w="6350" cap="flat" cmpd="sng" algn="ctr">
+            <a:solidFill>
+              <a:schemeClr val="accent1"/>
+            </a:solidFill>
+            <a:prstDash val="dash"/>
+            <a:miter lim="800000"/>
+          </a:ln>
+        </p:spPr>
+        <p:style>
+          <a:lnRef idx="0">
+            <a:schemeClr val="accent1"/>
+          </a:lnRef>
+          <a:fillRef idx="0">
+            <a:srgbClr val="FFFFFF"/>
+          </a:fillRef>
+          <a:effectRef idx="0">
+            <a:srgbClr val="FFFFFF"/>
+          </a:effectRef>
+          <a:fontRef idx="minor">
+            <a:schemeClr val="tx1"/>
+          </a:fontRef>
+        </p:style>
+        <p:txBody>
+          <a:bodyPr rtlCol="0" anchor="ctr"/>
+          <a:p>
+            <a:pPr algn="ctr"/>
+            <a:r>
+              <a:rPr lang="en-US">
+                <a:solidFill>
+                  <a:schemeClr val="tx1"/>
+                </a:solidFill>
+              </a:rPr>
+              <a:t>FFN</a:t>
+            </a:r>
+            <a:endParaRPr lang="en-US">
+              <a:solidFill>
+                <a:schemeClr val="tx1"/>
+              </a:solidFill>
+            </a:endParaRPr>
+          </a:p>
+        </p:txBody>
+      </p:sp>
+      <p:sp>
+        <p:nvSpPr>
+          <p:cNvPr id="21" name="Oval 20"/>
+          <p:cNvSpPr/>
+          <p:nvPr/>
+        </p:nvSpPr>
+        <p:spPr>
+          <a:xfrm>
+            <a:off x="3556635" y="1264285"/>
+            <a:ext cx="281940" cy="266700"/>
+          </a:xfrm>
+          <a:prstGeom prst="ellipse">
+            <a:avLst/>
+          </a:prstGeom>
+        </p:spPr>
+        <p:style>
+          <a:lnRef idx="2">
+            <a:schemeClr val="accent1">
+              <a:lumMod val="75000"/>
+            </a:schemeClr>
+          </a:lnRef>
+          <a:fillRef idx="1">
+            <a:schemeClr val="accent1"/>
+          </a:fillRef>
+          <a:effectRef idx="0">
+            <a:srgbClr val="FFFFFF"/>
+          </a:effectRef>
+          <a:fontRef idx="minor">
+            <a:schemeClr val="lt1"/>
+          </a:fontRef>
+        </p:style>
+        <p:txBody>
+          <a:bodyPr rtlCol="0" anchor="ctr"/>
+          <a:p>
+            <a:pPr algn="ctr"/>
+            <a:endParaRPr lang="en-US"/>
+          </a:p>
+        </p:txBody>
+      </p:sp>
+      <p:cxnSp>
+        <p:nvCxnSpPr>
+          <p:cNvPr id="22" name="Straight Arrow Connector 21"/>
+          <p:cNvCxnSpPr>
+            <a:endCxn id="21" idx="0"/>
+          </p:cNvCxnSpPr>
+          <p:nvPr/>
+        </p:nvCxnSpPr>
+        <p:spPr>
+          <a:xfrm flipH="1">
+            <a:off x="3697605" y="948055"/>
+            <a:ext cx="38735" cy="316230"/>
+          </a:xfrm>
+          <a:prstGeom prst="straightConnector1">
+            <a:avLst/>
+          </a:prstGeom>
+          <a:ln>
+            <a:solidFill>
+              <a:schemeClr val="tx1"/>
+            </a:solidFill>
+            <a:tailEnd type="arrow" w="med" len="med"/>
+          </a:ln>
+        </p:spPr>
+        <p:style>
+          <a:lnRef idx="3">
+            <a:schemeClr val="accent1"/>
+          </a:lnRef>
+          <a:fillRef idx="0">
+            <a:srgbClr val="FFFFFF"/>
+          </a:fillRef>
+          <a:effectRef idx="0">
+            <a:srgbClr val="FFFFFF"/>
+          </a:effectRef>
+          <a:fontRef idx="minor">
+            <a:schemeClr val="tx1"/>
+          </a:fontRef>
+        </p:style>
+      </p:cxnSp>
+      <p:cxnSp>
+        <p:nvCxnSpPr>
+          <p:cNvPr id="23" name="Straight Arrow Connector 22"/>
+          <p:cNvCxnSpPr>
+            <a:stCxn id="6" idx="1"/>
+            <a:endCxn id="21" idx="6"/>
+          </p:cNvCxnSpPr>
+          <p:nvPr/>
+        </p:nvCxnSpPr>
+        <p:spPr>
+          <a:xfrm flipH="1">
+            <a:off x="3838575" y="1270635"/>
+            <a:ext cx="2432050" cy="127000"/>
+          </a:xfrm>
+          <a:prstGeom prst="straightConnector1">
+            <a:avLst/>
+          </a:prstGeom>
+          <a:ln>
+            <a:solidFill>
+              <a:schemeClr val="accent6">
+                <a:lumMod val="60000"/>
+                <a:lumOff val="40000"/>
+              </a:schemeClr>
+            </a:solidFill>
+            <a:tailEnd type="arrow" w="med" len="med"/>
+          </a:ln>
+        </p:spPr>
+        <p:style>
+          <a:lnRef idx="3">
+            <a:schemeClr val="accent1"/>
+          </a:lnRef>
+          <a:fillRef idx="0">
+            <a:srgbClr val="FFFFFF"/>
+          </a:fillRef>
+          <a:effectRef idx="0">
+            <a:srgbClr val="FFFFFF"/>
+          </a:effectRef>
+          <a:fontRef idx="minor">
+            <a:schemeClr val="tx1"/>
+          </a:fontRef>
+        </p:style>
+      </p:cxnSp>
+      <p:cxnSp>
+        <p:nvCxnSpPr>
+          <p:cNvPr id="24" name="Straight Arrow Connector 23"/>
+          <p:cNvCxnSpPr>
+            <a:stCxn id="21" idx="3"/>
+            <a:endCxn id="10" idx="0"/>
+          </p:cNvCxnSpPr>
+          <p:nvPr/>
+        </p:nvCxnSpPr>
+        <p:spPr>
+          <a:xfrm flipH="1">
+            <a:off x="1534795" y="1491615"/>
+            <a:ext cx="2063115" cy="497205"/>
+          </a:xfrm>
+          <a:prstGeom prst="straightConnector1">
+            <a:avLst/>
+          </a:prstGeom>
+          <a:ln w="6350" cap="flat" cmpd="sng" algn="ctr">
+            <a:solidFill>
+              <a:schemeClr val="accent1"/>
+            </a:solidFill>
+            <a:prstDash val="dash"/>
+            <a:miter lim="800000"/>
+            <a:tailEnd type="arrow" w="med" len="med"/>
+          </a:ln>
+        </p:spPr>
+        <p:style>
+          <a:lnRef idx="0">
+            <a:schemeClr val="accent1"/>
+          </a:lnRef>
+          <a:fillRef idx="0">
+            <a:srgbClr val="FFFFFF"/>
+          </a:fillRef>
+          <a:effectRef idx="0">
+            <a:srgbClr val="FFFFFF"/>
+          </a:effectRef>
+          <a:fontRef idx="minor">
+            <a:schemeClr val="tx1"/>
+          </a:fontRef>
+        </p:style>
+      </p:cxnSp>
+      <p:cxnSp>
+        <p:nvCxnSpPr>
+          <p:cNvPr id="25" name="Straight Arrow Connector 24"/>
+          <p:cNvCxnSpPr>
+            <a:stCxn id="21" idx="5"/>
+            <a:endCxn id="9" idx="0"/>
+          </p:cNvCxnSpPr>
+          <p:nvPr/>
+        </p:nvCxnSpPr>
+        <p:spPr>
+          <a:xfrm>
+            <a:off x="3797300" y="1491615"/>
+            <a:ext cx="2540" cy="459105"/>
+          </a:xfrm>
+          <a:prstGeom prst="straightConnector1">
+            <a:avLst/>
+          </a:prstGeom>
+          <a:ln>
+            <a:solidFill>
+              <a:schemeClr val="accent6">
+                <a:lumMod val="60000"/>
+                <a:lumOff val="40000"/>
+              </a:schemeClr>
+            </a:solidFill>
+            <a:tailEnd type="arrow" w="med" len="med"/>
+          </a:ln>
+        </p:spPr>
+        <p:style>
+          <a:lnRef idx="3">
+            <a:schemeClr val="accent1"/>
+          </a:lnRef>
+          <a:fillRef idx="0">
+            <a:srgbClr val="FFFFFF"/>
+          </a:fillRef>
+          <a:effectRef idx="0">
+            <a:srgbClr val="FFFFFF"/>
+          </a:effectRef>
+          <a:fontRef idx="minor">
+            <a:schemeClr val="tx1"/>
+          </a:fontRef>
+        </p:style>
+      </p:cxnSp>
+      <p:sp>
+        <p:nvSpPr>
+          <p:cNvPr id="26" name="Text Box 25"/>
+          <p:cNvSpPr txBox="1"/>
+          <p:nvPr/>
+        </p:nvSpPr>
+        <p:spPr>
+          <a:xfrm>
+            <a:off x="2585720" y="1162685"/>
+            <a:ext cx="760095" cy="368300"/>
+          </a:xfrm>
+          <a:prstGeom prst="rect">
+            <a:avLst/>
+          </a:prstGeom>
+          <a:noFill/>
+        </p:spPr>
+        <p:txBody>
+          <a:bodyPr wrap="square" rtlCol="0">
+            <a:spAutoFit/>
+          </a:bodyPr>
+          <a:p>
+            <a:r>
+              <a:rPr lang="en-US"/>
+              <a:t>Mask</a:t>
+            </a:r>
+            <a:endParaRPr lang="en-US"/>
+          </a:p>
+        </p:txBody>
+      </p:sp>
+      <p:sp>
+        <p:nvSpPr>
+          <p:cNvPr id="27" name="Right Arrow 26"/>
+          <p:cNvSpPr/>
+          <p:nvPr/>
+        </p:nvSpPr>
+        <p:spPr>
+          <a:xfrm rot="10800000">
+            <a:off x="5908040" y="2624455"/>
+            <a:ext cx="457200" cy="205740"/>
+          </a:xfrm>
+          <a:prstGeom prst="rightArrow">
+            <a:avLst/>
+          </a:prstGeom>
+        </p:spPr>
+        <p:style>
+          <a:lnRef idx="2">
+            <a:schemeClr val="accent1">
+              <a:lumMod val="75000"/>
+            </a:schemeClr>
+          </a:lnRef>
+          <a:fillRef idx="1">
+            <a:schemeClr val="accent1"/>
+          </a:fillRef>
+          <a:effectRef idx="0">
+            <a:srgbClr val="FFFFFF"/>
+          </a:effectRef>
+          <a:fontRef idx="minor">
+            <a:schemeClr val="lt1"/>
+          </a:fontRef>
+        </p:style>
+        <p:txBody>
+          <a:bodyPr rtlCol="0" anchor="ctr"/>
+          <a:p>
+            <a:pPr algn="ctr"/>
+            <a:endParaRPr lang="en-US"/>
+          </a:p>
+        </p:txBody>
+      </p:sp>
+      <p:sp>
+        <p:nvSpPr>
+          <p:cNvPr id="28" name="Text Box 27"/>
+          <p:cNvSpPr txBox="1"/>
+          <p:nvPr/>
+        </p:nvSpPr>
+        <p:spPr>
+          <a:xfrm>
+            <a:off x="5029200" y="3443605"/>
+            <a:ext cx="1666875" cy="368300"/>
+          </a:xfrm>
+          <a:prstGeom prst="rect">
+            <a:avLst/>
+          </a:prstGeom>
+          <a:noFill/>
+        </p:spPr>
+        <p:txBody>
+          <a:bodyPr wrap="square" rtlCol="0">
+            <a:spAutoFit/>
+          </a:bodyPr>
+          <a:p>
+            <a:r>
+              <a:rPr lang="en-US"/>
+              <a:t>Cross Attention</a:t>
+            </a:r>
+            <a:endParaRPr lang="en-US"/>
+          </a:p>
+        </p:txBody>
+      </p:sp>
+      <p:cxnSp>
+        <p:nvCxnSpPr>
+          <p:cNvPr id="29" name="Straight Arrow Connector 28"/>
+          <p:cNvCxnSpPr>
+            <a:stCxn id="10" idx="2"/>
+            <a:endCxn id="12" idx="0"/>
+          </p:cNvCxnSpPr>
+          <p:nvPr/>
+        </p:nvCxnSpPr>
+        <p:spPr>
+          <a:xfrm>
+            <a:off x="1534795" y="2898140"/>
+            <a:ext cx="2277745" cy="412115"/>
+          </a:xfrm>
+          <a:prstGeom prst="straightConnector1">
+            <a:avLst/>
+          </a:prstGeom>
+          <a:ln w="6350" cap="flat" cmpd="sng" algn="ctr">
+            <a:solidFill>
+              <a:schemeClr val="accent1"/>
+            </a:solidFill>
+            <a:prstDash val="dash"/>
+            <a:miter lim="800000"/>
+            <a:tailEnd type="arrow" w="med" len="med"/>
+          </a:ln>
+        </p:spPr>
+        <p:style>
+          <a:lnRef idx="0">
+            <a:schemeClr val="accent1"/>
+          </a:lnRef>
+          <a:fillRef idx="0">
+            <a:srgbClr val="FFFFFF"/>
+          </a:fillRef>
+          <a:effectRef idx="0">
+            <a:srgbClr val="FFFFFF"/>
+          </a:effectRef>
+          <a:fontRef idx="minor">
+            <a:schemeClr val="tx1"/>
+          </a:fontRef>
+        </p:style>
+      </p:cxnSp>
+      <p:cxnSp>
+        <p:nvCxnSpPr>
+          <p:cNvPr id="30" name="Straight Arrow Connector 29"/>
+          <p:cNvCxnSpPr>
+            <a:stCxn id="9" idx="2"/>
+            <a:endCxn id="12" idx="0"/>
+          </p:cNvCxnSpPr>
+          <p:nvPr/>
+        </p:nvCxnSpPr>
+        <p:spPr>
+          <a:xfrm>
+            <a:off x="3799840" y="2860040"/>
+            <a:ext cx="12700" cy="450215"/>
+          </a:xfrm>
+          <a:prstGeom prst="straightConnector1">
+            <a:avLst/>
+          </a:prstGeom>
+          <a:ln>
+            <a:solidFill>
+              <a:schemeClr val="accent6">
+                <a:lumMod val="60000"/>
+                <a:lumOff val="40000"/>
+              </a:schemeClr>
+            </a:solidFill>
+            <a:tailEnd type="arrow" w="med" len="med"/>
+          </a:ln>
+        </p:spPr>
+        <p:style>
+          <a:lnRef idx="3">
+            <a:schemeClr val="accent1"/>
+          </a:lnRef>
+          <a:fillRef idx="0">
+            <a:srgbClr val="FFFFFF"/>
+          </a:fillRef>
+          <a:effectRef idx="0">
+            <a:srgbClr val="FFFFFF"/>
+          </a:effectRef>
+          <a:fontRef idx="minor">
+            <a:schemeClr val="tx1"/>
+          </a:fontRef>
+        </p:style>
+      </p:cxnSp>
+      <p:sp>
+        <p:nvSpPr>
+          <p:cNvPr id="31" name="Oval 30"/>
+          <p:cNvSpPr/>
+          <p:nvPr/>
+        </p:nvSpPr>
+        <p:spPr>
+          <a:xfrm>
+            <a:off x="3677285" y="4159885"/>
+            <a:ext cx="281940" cy="266700"/>
+          </a:xfrm>
+          <a:prstGeom prst="ellipse">
+            <a:avLst/>
+          </a:prstGeom>
+        </p:spPr>
+        <p:style>
+          <a:lnRef idx="2">
+            <a:schemeClr val="accent1">
+              <a:lumMod val="75000"/>
+            </a:schemeClr>
+          </a:lnRef>
+          <a:fillRef idx="1">
+            <a:schemeClr val="accent1"/>
+          </a:fillRef>
+          <a:effectRef idx="0">
+            <a:srgbClr val="FFFFFF"/>
+          </a:effectRef>
+          <a:fontRef idx="minor">
+            <a:schemeClr val="lt1"/>
+          </a:fontRef>
+        </p:style>
+        <p:txBody>
+          <a:bodyPr rtlCol="0" anchor="ctr"/>
+          <a:p>
+            <a:pPr algn="ctr"/>
+            <a:endParaRPr lang="en-US"/>
+          </a:p>
+        </p:txBody>
+      </p:sp>
+      <p:cxnSp>
+        <p:nvCxnSpPr>
+          <p:cNvPr id="32" name="Straight Arrow Connector 31"/>
+          <p:cNvCxnSpPr>
+            <a:stCxn id="12" idx="2"/>
+            <a:endCxn id="31" idx="0"/>
+          </p:cNvCxnSpPr>
+          <p:nvPr/>
+        </p:nvCxnSpPr>
+        <p:spPr>
+          <a:xfrm>
+            <a:off x="3812540" y="3813175"/>
+            <a:ext cx="5715" cy="346710"/>
+          </a:xfrm>
+          <a:prstGeom prst="straightConnector1">
+            <a:avLst/>
+          </a:prstGeom>
+          <a:ln>
+            <a:solidFill>
+              <a:schemeClr val="accent6">
+                <a:lumMod val="60000"/>
+                <a:lumOff val="40000"/>
+              </a:schemeClr>
+            </a:solidFill>
+            <a:tailEnd type="arrow" w="med" len="med"/>
+          </a:ln>
+        </p:spPr>
+        <p:style>
+          <a:lnRef idx="3">
+            <a:schemeClr val="accent1"/>
+          </a:lnRef>
+          <a:fillRef idx="0">
+            <a:srgbClr val="FFFFFF"/>
+          </a:fillRef>
+          <a:effectRef idx="0">
+            <a:srgbClr val="FFFFFF"/>
+          </a:effectRef>
+          <a:fontRef idx="minor">
+            <a:schemeClr val="tx1"/>
+          </a:fontRef>
+        </p:style>
+      </p:cxnSp>
+      <p:cxnSp>
+        <p:nvCxnSpPr>
+          <p:cNvPr id="33" name="Straight Arrow Connector 32"/>
+          <p:cNvCxnSpPr>
+            <a:stCxn id="31" idx="3"/>
+            <a:endCxn id="18" idx="0"/>
+          </p:cNvCxnSpPr>
+          <p:nvPr/>
+        </p:nvCxnSpPr>
+        <p:spPr>
+          <a:xfrm flipH="1">
+            <a:off x="1534795" y="4387215"/>
+            <a:ext cx="2183765" cy="374015"/>
+          </a:xfrm>
+          <a:prstGeom prst="straightConnector1">
+            <a:avLst/>
+          </a:prstGeom>
+          <a:ln w="6350" cap="flat" cmpd="sng" algn="ctr">
+            <a:solidFill>
+              <a:schemeClr val="accent1"/>
+            </a:solidFill>
+            <a:prstDash val="dash"/>
+            <a:miter lim="800000"/>
+            <a:tailEnd type="arrow" w="med" len="med"/>
+          </a:ln>
+        </p:spPr>
+        <p:style>
+          <a:lnRef idx="0">
+            <a:schemeClr val="accent1"/>
+          </a:lnRef>
+          <a:fillRef idx="0">
+            <a:srgbClr val="FFFFFF"/>
+          </a:fillRef>
+          <a:effectRef idx="0">
+            <a:srgbClr val="FFFFFF"/>
+          </a:effectRef>
+          <a:fontRef idx="minor">
+            <a:schemeClr val="tx1"/>
+          </a:fontRef>
+        </p:style>
+      </p:cxnSp>
+      <p:cxnSp>
+        <p:nvCxnSpPr>
+          <p:cNvPr id="34" name="Straight Arrow Connector 33"/>
+          <p:cNvCxnSpPr>
+            <a:stCxn id="31" idx="5"/>
+            <a:endCxn id="17" idx="0"/>
+          </p:cNvCxnSpPr>
+          <p:nvPr/>
+        </p:nvCxnSpPr>
+        <p:spPr>
+          <a:xfrm>
+            <a:off x="3917950" y="4387215"/>
+            <a:ext cx="6350" cy="479425"/>
+          </a:xfrm>
+          <a:prstGeom prst="straightConnector1">
+            <a:avLst/>
+          </a:prstGeom>
+          <a:ln>
+            <a:solidFill>
+              <a:schemeClr val="accent6">
+                <a:lumMod val="60000"/>
+                <a:lumOff val="40000"/>
+              </a:schemeClr>
+            </a:solidFill>
+            <a:tailEnd type="arrow" w="med" len="med"/>
+          </a:ln>
+        </p:spPr>
+        <p:style>
+          <a:lnRef idx="3">
+            <a:schemeClr val="accent1"/>
+          </a:lnRef>
+          <a:fillRef idx="0">
+            <a:srgbClr val="FFFFFF"/>
+          </a:fillRef>
+          <a:effectRef idx="0">
+            <a:srgbClr val="FFFFFF"/>
+          </a:effectRef>
+          <a:fontRef idx="minor">
+            <a:schemeClr val="tx1"/>
+          </a:fontRef>
+        </p:style>
+      </p:cxnSp>
+      <p:cxnSp>
+        <p:nvCxnSpPr>
+          <p:cNvPr id="35" name="Straight Arrow Connector 34"/>
+          <p:cNvCxnSpPr>
+            <a:endCxn id="31" idx="6"/>
+          </p:cNvCxnSpPr>
+          <p:nvPr/>
+        </p:nvCxnSpPr>
+        <p:spPr>
+          <a:xfrm flipH="1">
+            <a:off x="3959225" y="4277995"/>
+            <a:ext cx="2291715" cy="15240"/>
+          </a:xfrm>
+          <a:prstGeom prst="straightConnector1">
+            <a:avLst/>
+          </a:prstGeom>
+          <a:ln>
+            <a:solidFill>
+              <a:schemeClr val="accent6">
+                <a:lumMod val="60000"/>
+                <a:lumOff val="40000"/>
+              </a:schemeClr>
+            </a:solidFill>
+            <a:tailEnd type="arrow" w="med" len="med"/>
+          </a:ln>
+        </p:spPr>
+        <p:style>
+          <a:lnRef idx="3">
+            <a:schemeClr val="accent1"/>
+          </a:lnRef>
+          <a:fillRef idx="0">
+            <a:srgbClr val="FFFFFF"/>
+          </a:fillRef>
+          <a:effectRef idx="0">
+            <a:srgbClr val="FFFFFF"/>
+          </a:effectRef>
+          <a:fontRef idx="minor">
+            <a:schemeClr val="tx1"/>
+          </a:fontRef>
+        </p:style>
+      </p:cxnSp>
+      <p:sp>
+        <p:nvSpPr>
+          <p:cNvPr id="36" name="Text Box 35"/>
+          <p:cNvSpPr txBox="1"/>
+          <p:nvPr/>
+        </p:nvSpPr>
+        <p:spPr>
+          <a:xfrm>
+            <a:off x="5908040" y="4159885"/>
+            <a:ext cx="1176655" cy="368300"/>
+          </a:xfrm>
+          <a:prstGeom prst="rect">
+            <a:avLst/>
+          </a:prstGeom>
+          <a:noFill/>
+        </p:spPr>
+        <p:txBody>
+          <a:bodyPr wrap="square" rtlCol="0">
+            <a:spAutoFit/>
+          </a:bodyPr>
+          <a:p>
+            <a:r>
+              <a:rPr lang="en-US"/>
+              <a:t>token_ids</a:t>
+            </a:r>
+            <a:endParaRPr lang="en-US"/>
+          </a:p>
+        </p:txBody>
+      </p:sp>
+      <p:sp>
+        <p:nvSpPr>
+          <p:cNvPr id="37" name="Text Box 36"/>
+          <p:cNvSpPr txBox="1"/>
+          <p:nvPr/>
+        </p:nvSpPr>
+        <p:spPr>
+          <a:xfrm>
+            <a:off x="3020695" y="4057015"/>
+            <a:ext cx="792480" cy="368300"/>
+          </a:xfrm>
+          <a:prstGeom prst="rect">
+            <a:avLst/>
+          </a:prstGeom>
+          <a:noFill/>
+        </p:spPr>
+        <p:txBody>
+          <a:bodyPr wrap="square" rtlCol="0">
+            <a:spAutoFit/>
+          </a:bodyPr>
+          <a:p>
+            <a:r>
+              <a:rPr lang="en-US"/>
+              <a:t>Mask</a:t>
+            </a:r>
+            <a:endParaRPr lang="en-US"/>
+          </a:p>
+        </p:txBody>
+      </p:sp>
+      <p:graphicFrame>
+        <p:nvGraphicFramePr>
+          <p:cNvPr id="2" name="表格 1"/>
+          <p:cNvGraphicFramePr/>
+          <p:nvPr>
+            <p:custDataLst>
+              <p:tags r:id="rId7"/>
+            </p:custDataLst>
+          </p:nvPr>
+        </p:nvGraphicFramePr>
+        <p:xfrm>
+          <a:off x="5053330" y="581660"/>
+          <a:ext cx="366395" cy="381635"/>
+        </p:xfrm>
+        <a:graphic>
+          <a:graphicData uri="http://schemas.openxmlformats.org/drawingml/2006/table">
+            <a:tbl>
+              <a:tblPr firstRow="1" bandRow="1">
+                <a:tableStyleId>{5C22544A-7EE6-4342-B048-85BDC9FD1C3A}</a:tableStyleId>
+              </a:tblPr>
+              <a:tblGrid>
+                <a:gridCol w="366395"/>
+              </a:tblGrid>
+              <a:tr h="381635">
+                <a:tc>
+                  <a:txBody>
+                    <a:bodyPr/>
+                    <a:p>
+                      <a:pPr>
+                        <a:buNone/>
+                      </a:pPr>
+                      <a:endParaRPr lang="zh-CN" altLang="en-US"/>
+                    </a:p>
+                  </a:txBody>
+                  <a:tcPr>
+                    <a:solidFill>
+                      <a:schemeClr val="accent6">
+                        <a:lumMod val="40000"/>
+                        <a:lumOff val="60000"/>
+                      </a:schemeClr>
+                    </a:solidFill>
+                  </a:tcPr>
+                </a:tc>
+              </a:tr>
+            </a:tbl>
+          </a:graphicData>
+        </a:graphic>
+      </p:graphicFrame>
+      <p:graphicFrame>
+        <p:nvGraphicFramePr>
+          <p:cNvPr id="3" name="表格 2"/>
+          <p:cNvGraphicFramePr/>
+          <p:nvPr>
+            <p:custDataLst>
+              <p:tags r:id="rId8"/>
+            </p:custDataLst>
+          </p:nvPr>
+        </p:nvGraphicFramePr>
+        <p:xfrm>
+          <a:off x="9488805" y="1071880"/>
+          <a:ext cx="366395" cy="381635"/>
+        </p:xfrm>
+        <a:graphic>
+          <a:graphicData uri="http://schemas.openxmlformats.org/drawingml/2006/table">
+            <a:tbl>
+              <a:tblPr firstRow="1" bandRow="1">
+                <a:tableStyleId>{5C22544A-7EE6-4342-B048-85BDC9FD1C3A}</a:tableStyleId>
+              </a:tblPr>
+              <a:tblGrid>
+                <a:gridCol w="366395"/>
+              </a:tblGrid>
+              <a:tr h="381635">
+                <a:tc>
+                  <a:txBody>
+                    <a:bodyPr/>
+                    <a:p>
+                      <a:pPr>
+                        <a:buNone/>
+                      </a:pPr>
+                      <a:endParaRPr lang="zh-CN" altLang="en-US"/>
+                    </a:p>
+                  </a:txBody>
+                  <a:tcPr>
+                    <a:solidFill>
+                      <a:schemeClr val="accent6">
+                        <a:lumMod val="40000"/>
+                        <a:lumOff val="60000"/>
+                      </a:schemeClr>
+                    </a:solidFill>
+                  </a:tcPr>
+                </a:tc>
+              </a:tr>
+            </a:tbl>
+          </a:graphicData>
+        </a:graphic>
+      </p:graphicFrame>
+    </p:spTree>
+  </p:cSld>
+  <p:clrMapOvr>
+    <a:masterClrMapping/>
+  </p:clrMapOvr>
+</p:sld>
+</file>
+
 <file path=ppt/tags/tag1.xml><?xml version="1.0" encoding="utf-8"?>
 <p:tagLst xmlns:p="http://schemas.openxmlformats.org/presentationml/2006/main">
   <p:tag name="TABLE_ENDDRAG_ORIGIN_RECT" val="198*30"/>
   <p:tag name="TABLE_ENDDRAG_RECT" val="144*255*198*30"/>
+</p:tagLst>
+</file>
+
+<file path=ppt/tags/tag10.xml><?xml version="1.0" encoding="utf-8"?>
+<p:tagLst xmlns:p="http://schemas.openxmlformats.org/presentationml/2006/main">
+  <p:tag name="TABLE_ENDDRAG_ORIGIN_RECT" val="28*30"/>
+  <p:tag name="TABLE_ENDDRAG_RECT" val="280*43*28*30"/>
+</p:tagLst>
+</file>
+
+<file path=ppt/tags/tag11.xml><?xml version="1.0" encoding="utf-8"?>
+<p:tagLst xmlns:p="http://schemas.openxmlformats.org/presentationml/2006/main">
+  <p:tag name="commondata" val="eyJoZGlkIjoiYWYyOWE3ZTcxMGQ4MjRmMmFlMDU5NGUxMzUyMzNjZTIifQ=="/>
 </p:tagLst>
 </file>
 
@@ -5467,6 +8137,41 @@
 <p:tagLst xmlns:p="http://schemas.openxmlformats.org/presentationml/2006/main">
   <p:tag name="TABLE_ENDDRAG_ORIGIN_RECT" val="110*88"/>
   <p:tag name="TABLE_ENDDRAG_RECT" val="375*226*110*88"/>
+</p:tagLst>
+</file>
+
+<file path=ppt/tags/tag5.xml><?xml version="1.0" encoding="utf-8"?>
+<p:tagLst xmlns:p="http://schemas.openxmlformats.org/presentationml/2006/main">
+  <p:tag name="TABLE_ENDDRAG_ORIGIN_RECT" val="198*30"/>
+  <p:tag name="TABLE_ENDDRAG_RECT" val="144*255*198*30"/>
+</p:tagLst>
+</file>
+
+<file path=ppt/tags/tag6.xml><?xml version="1.0" encoding="utf-8"?>
+<p:tagLst xmlns:p="http://schemas.openxmlformats.org/presentationml/2006/main">
+  <p:tag name="TABLE_ENDDRAG_ORIGIN_RECT" val="251*23"/>
+  <p:tag name="TABLE_ENDDRAG_RECT" val="144*255*251*23"/>
+</p:tagLst>
+</file>
+
+<file path=ppt/tags/tag7.xml><?xml version="1.0" encoding="utf-8"?>
+<p:tagLst xmlns:p="http://schemas.openxmlformats.org/presentationml/2006/main">
+  <p:tag name="TABLE_ENDDRAG_ORIGIN_RECT" val="110*88"/>
+  <p:tag name="TABLE_ENDDRAG_RECT" val="375*226*110*88"/>
+</p:tagLst>
+</file>
+
+<file path=ppt/tags/tag8.xml><?xml version="1.0" encoding="utf-8"?>
+<p:tagLst xmlns:p="http://schemas.openxmlformats.org/presentationml/2006/main">
+  <p:tag name="TABLE_ENDDRAG_ORIGIN_RECT" val="110*88"/>
+  <p:tag name="TABLE_ENDDRAG_RECT" val="375*226*110*88"/>
+</p:tagLst>
+</file>
+
+<file path=ppt/tags/tag9.xml><?xml version="1.0" encoding="utf-8"?>
+<p:tagLst xmlns:p="http://schemas.openxmlformats.org/presentationml/2006/main">
+  <p:tag name="TABLE_ENDDRAG_ORIGIN_RECT" val="28*30"/>
+  <p:tag name="TABLE_ENDDRAG_RECT" val="280*43*28*30"/>
 </p:tagLst>
 </file>
 

--- a/MLLM/CogVLM-Pic.pptx
+++ b/MLLM/CogVLM-Pic.pptx
@@ -3371,7 +3371,7 @@
             </p:nvSpPr>
             <p:spPr>
               <a:xfrm>
-                <a:off x="2427605" y="1931035"/>
+                <a:off x="2450465" y="1931035"/>
                 <a:ext cx="1557655" cy="909320"/>
               </a:xfrm>
               <a:prstGeom prst="roundRect">
@@ -3670,7 +3670,7 @@
             </p:nvSpPr>
             <p:spPr>
               <a:xfrm>
-                <a:off x="2427605" y="1931035"/>
+                <a:off x="2450465" y="1931035"/>
                 <a:ext cx="1557655" cy="909320"/>
               </a:xfrm>
               <a:prstGeom prst="roundRect">
@@ -4979,7 +4979,7 @@
         <p:spPr>
           <a:xfrm>
             <a:off x="2141220" y="1456690"/>
-            <a:ext cx="1065530" cy="474345"/>
+            <a:ext cx="1088390" cy="474345"/>
           </a:xfrm>
           <a:prstGeom prst="straightConnector1">
             <a:avLst/>
@@ -5152,7 +5152,7 @@
         </p:nvCxnSpPr>
         <p:spPr>
           <a:xfrm flipH="1">
-            <a:off x="2316480" y="2840355"/>
+            <a:off x="2339340" y="2840355"/>
             <a:ext cx="890270" cy="419735"/>
           </a:xfrm>
           <a:prstGeom prst="straightConnector1">
@@ -5467,7 +5467,7 @@
           </p:nvPr>
         </p:nvGraphicFramePr>
         <p:xfrm>
-          <a:off x="2143760" y="581660"/>
+          <a:off x="866140" y="567055"/>
           <a:ext cx="1802765" cy="381000"/>
         </p:xfrm>
         <a:graphic>
@@ -5568,7 +5568,7 @@
           <p:nvPr/>
         </p:nvGraphicFramePr>
         <p:xfrm>
-          <a:off x="3959225" y="581660"/>
+          <a:off x="2681605" y="567055"/>
           <a:ext cx="2524125" cy="381000"/>
         </p:xfrm>
         <a:graphic>
@@ -5675,8 +5675,8 @@
               </a:tblPr>
               <a:tblGrid>
                 <a:gridCol w="399415"/>
-                <a:gridCol w="399415"/>
-                <a:gridCol w="399415"/>
+                <a:gridCol w="342900"/>
+                <a:gridCol w="455930"/>
                 <a:gridCol w="399415"/>
                 <a:gridCol w="399415"/>
                 <a:gridCol w="399415"/>
@@ -5696,9 +5696,8 @@
                   </a:txBody>
                   <a:tcPr>
                     <a:solidFill>
-                      <a:schemeClr val="accent1">
-                        <a:lumMod val="60000"/>
-                        <a:lumOff val="40000"/>
+                      <a:schemeClr val="bg1">
+                        <a:lumMod val="95000"/>
                       </a:schemeClr>
                     </a:solidFill>
                   </a:tcPr>
@@ -5715,9 +5714,8 @@
                   </a:txBody>
                   <a:tcPr>
                     <a:solidFill>
-                      <a:schemeClr val="accent1">
-                        <a:lumMod val="60000"/>
-                        <a:lumOff val="40000"/>
+                      <a:schemeClr val="bg1">
+                        <a:lumMod val="95000"/>
                       </a:schemeClr>
                     </a:solidFill>
                   </a:tcPr>
@@ -5734,9 +5732,8 @@
                   </a:txBody>
                   <a:tcPr>
                     <a:solidFill>
-                      <a:schemeClr val="accent1">
-                        <a:lumMod val="60000"/>
-                        <a:lumOff val="40000"/>
+                      <a:schemeClr val="bg1">
+                        <a:lumMod val="95000"/>
                       </a:schemeClr>
                     </a:solidFill>
                   </a:tcPr>
@@ -5753,9 +5750,8 @@
                   </a:txBody>
                   <a:tcPr>
                     <a:solidFill>
-                      <a:schemeClr val="accent1">
-                        <a:lumMod val="60000"/>
-                        <a:lumOff val="40000"/>
+                      <a:schemeClr val="bg1">
+                        <a:lumMod val="95000"/>
                       </a:schemeClr>
                     </a:solidFill>
                   </a:tcPr>
@@ -5772,9 +5768,8 @@
                   </a:txBody>
                   <a:tcPr>
                     <a:solidFill>
-                      <a:schemeClr val="accent1">
-                        <a:lumMod val="60000"/>
-                        <a:lumOff val="40000"/>
+                      <a:schemeClr val="bg1">
+                        <a:lumMod val="95000"/>
                       </a:schemeClr>
                     </a:solidFill>
                   </a:tcPr>
@@ -5791,9 +5786,8 @@
                   </a:txBody>
                   <a:tcPr>
                     <a:solidFill>
-                      <a:schemeClr val="accent2">
-                        <a:lumMod val="20000"/>
-                        <a:lumOff val="80000"/>
+                      <a:schemeClr val="bg1">
+                        <a:lumMod val="95000"/>
                       </a:schemeClr>
                     </a:solidFill>
                   </a:tcPr>
@@ -5810,9 +5804,8 @@
                   </a:txBody>
                   <a:tcPr>
                     <a:solidFill>
-                      <a:schemeClr val="accent2">
-                        <a:lumMod val="20000"/>
-                        <a:lumOff val="80000"/>
+                      <a:schemeClr val="bg1">
+                        <a:lumMod val="95000"/>
                       </a:schemeClr>
                     </a:solidFill>
                   </a:tcPr>
@@ -5829,9 +5822,8 @@
                   </a:txBody>
                   <a:tcPr>
                     <a:solidFill>
-                      <a:schemeClr val="accent2">
-                        <a:lumMod val="20000"/>
-                        <a:lumOff val="80000"/>
+                      <a:schemeClr val="bg1">
+                        <a:lumMod val="95000"/>
                       </a:schemeClr>
                     </a:solidFill>
                   </a:tcPr>
@@ -5849,7 +5841,7 @@
         </p:nvSpPr>
         <p:spPr>
           <a:xfrm>
-            <a:off x="2510155" y="229870"/>
+            <a:off x="1416050" y="229870"/>
             <a:ext cx="1069975" cy="351790"/>
           </a:xfrm>
           <a:prstGeom prst="rect">
@@ -5878,7 +5870,7 @@
         </p:nvSpPr>
         <p:spPr>
           <a:xfrm>
-            <a:off x="3959225" y="229870"/>
+            <a:off x="2687955" y="200025"/>
             <a:ext cx="1069975" cy="351790"/>
           </a:xfrm>
           <a:prstGeom prst="rect">
@@ -6636,7 +6628,7 @@
           <a:p>
             <a:r>
               <a:rPr lang="en-US"/>
-              <a:t>token_ids</a:t>
+              <a:t>token_type_ids</a:t>
             </a:r>
             <a:endParaRPr lang="en-US"/>
           </a:p>
@@ -7299,7 +7291,7 @@
         </p:nvSpPr>
         <p:spPr>
           <a:xfrm>
-            <a:off x="755650" y="4761230"/>
+            <a:off x="701675" y="4866640"/>
             <a:ext cx="1557655" cy="620395"/>
           </a:xfrm>
           <a:prstGeom prst="roundRect">
@@ -7393,14 +7385,15 @@
         <p:nvCxnSpPr>
           <p:cNvPr id="22" name="Straight Arrow Connector 21"/>
           <p:cNvCxnSpPr>
+            <a:stCxn id="2" idx="2"/>
             <a:endCxn id="21" idx="0"/>
           </p:cNvCxnSpPr>
           <p:nvPr/>
         </p:nvCxnSpPr>
         <p:spPr>
           <a:xfrm flipH="1">
-            <a:off x="3697605" y="948055"/>
-            <a:ext cx="38735" cy="316230"/>
+            <a:off x="3697605" y="938530"/>
+            <a:ext cx="640715" cy="325755"/>
           </a:xfrm>
           <a:prstGeom prst="straightConnector1">
             <a:avLst/>
@@ -7824,8 +7817,8 @@
         </p:nvCxnSpPr>
         <p:spPr>
           <a:xfrm flipH="1">
-            <a:off x="1534795" y="4387215"/>
-            <a:ext cx="2183765" cy="374015"/>
+            <a:off x="1480820" y="4387215"/>
+            <a:ext cx="2237740" cy="479425"/>
           </a:xfrm>
           <a:prstGeom prst="straightConnector1">
             <a:avLst/>
@@ -8006,7 +7999,7 @@
           </p:nvPr>
         </p:nvGraphicFramePr>
         <p:xfrm>
-          <a:off x="5053330" y="581660"/>
+          <a:off x="4154805" y="556895"/>
           <a:ext cx="366395" cy="381635"/>
         </p:xfrm>
         <a:graphic>
